--- a/demystify-cqrs/demystify_cqrs.pptx
+++ b/demystify-cqrs/demystify_cqrs.pptx
@@ -104,6 +104,11 @@
       </a:defRPr>
     </a:lvl9pPr>
   </p:defaultTextStyle>
+  <p:extLst>
+    <p:ext uri="{EFAFB233-063F-42B5-8137-9DF3F51BA10A}">
+      <p15:sldGuideLst xmlns:p15="http://schemas.microsoft.com/office/powerpoint/2012/main"/>
+    </p:ext>
+  </p:extLst>
 </p:presentation>
 </file>
 
@@ -254,7 +259,7 @@
           <a:p>
             <a:fld id="{E83A28FE-E695-438F-8FA7-E95EAB252C4E}" type="datetimeFigureOut">
               <a:rPr lang="sv-SE" smtClean="0"/>
-              <a:t>2018-10-26</a:t>
+              <a:t>2018-10-30</a:t>
             </a:fld>
             <a:endParaRPr lang="sv-SE"/>
           </a:p>
@@ -452,7 +457,7 @@
           <a:p>
             <a:fld id="{E83A28FE-E695-438F-8FA7-E95EAB252C4E}" type="datetimeFigureOut">
               <a:rPr lang="sv-SE" smtClean="0"/>
-              <a:t>2018-10-26</a:t>
+              <a:t>2018-10-30</a:t>
             </a:fld>
             <a:endParaRPr lang="sv-SE"/>
           </a:p>
@@ -660,7 +665,7 @@
           <a:p>
             <a:fld id="{E83A28FE-E695-438F-8FA7-E95EAB252C4E}" type="datetimeFigureOut">
               <a:rPr lang="sv-SE" smtClean="0"/>
-              <a:t>2018-10-26</a:t>
+              <a:t>2018-10-30</a:t>
             </a:fld>
             <a:endParaRPr lang="sv-SE"/>
           </a:p>
@@ -858,7 +863,7 @@
           <a:p>
             <a:fld id="{E83A28FE-E695-438F-8FA7-E95EAB252C4E}" type="datetimeFigureOut">
               <a:rPr lang="sv-SE" smtClean="0"/>
-              <a:t>2018-10-26</a:t>
+              <a:t>2018-10-30</a:t>
             </a:fld>
             <a:endParaRPr lang="sv-SE"/>
           </a:p>
@@ -1133,7 +1138,7 @@
           <a:p>
             <a:fld id="{E83A28FE-E695-438F-8FA7-E95EAB252C4E}" type="datetimeFigureOut">
               <a:rPr lang="sv-SE" smtClean="0"/>
-              <a:t>2018-10-26</a:t>
+              <a:t>2018-10-30</a:t>
             </a:fld>
             <a:endParaRPr lang="sv-SE"/>
           </a:p>
@@ -1398,7 +1403,7 @@
           <a:p>
             <a:fld id="{E83A28FE-E695-438F-8FA7-E95EAB252C4E}" type="datetimeFigureOut">
               <a:rPr lang="sv-SE" smtClean="0"/>
-              <a:t>2018-10-26</a:t>
+              <a:t>2018-10-30</a:t>
             </a:fld>
             <a:endParaRPr lang="sv-SE"/>
           </a:p>
@@ -1810,7 +1815,7 @@
           <a:p>
             <a:fld id="{E83A28FE-E695-438F-8FA7-E95EAB252C4E}" type="datetimeFigureOut">
               <a:rPr lang="sv-SE" smtClean="0"/>
-              <a:t>2018-10-26</a:t>
+              <a:t>2018-10-30</a:t>
             </a:fld>
             <a:endParaRPr lang="sv-SE"/>
           </a:p>
@@ -1951,7 +1956,7 @@
           <a:p>
             <a:fld id="{E83A28FE-E695-438F-8FA7-E95EAB252C4E}" type="datetimeFigureOut">
               <a:rPr lang="sv-SE" smtClean="0"/>
-              <a:t>2018-10-26</a:t>
+              <a:t>2018-10-30</a:t>
             </a:fld>
             <a:endParaRPr lang="sv-SE"/>
           </a:p>
@@ -2064,7 +2069,7 @@
           <a:p>
             <a:fld id="{E83A28FE-E695-438F-8FA7-E95EAB252C4E}" type="datetimeFigureOut">
               <a:rPr lang="sv-SE" smtClean="0"/>
-              <a:t>2018-10-26</a:t>
+              <a:t>2018-10-30</a:t>
             </a:fld>
             <a:endParaRPr lang="sv-SE"/>
           </a:p>
@@ -2375,7 +2380,7 @@
           <a:p>
             <a:fld id="{E83A28FE-E695-438F-8FA7-E95EAB252C4E}" type="datetimeFigureOut">
               <a:rPr lang="sv-SE" smtClean="0"/>
-              <a:t>2018-10-26</a:t>
+              <a:t>2018-10-30</a:t>
             </a:fld>
             <a:endParaRPr lang="sv-SE"/>
           </a:p>
@@ -2663,7 +2668,7 @@
           <a:p>
             <a:fld id="{E83A28FE-E695-438F-8FA7-E95EAB252C4E}" type="datetimeFigureOut">
               <a:rPr lang="sv-SE" smtClean="0"/>
-              <a:t>2018-10-26</a:t>
+              <a:t>2018-10-30</a:t>
             </a:fld>
             <a:endParaRPr lang="sv-SE"/>
           </a:p>
@@ -2904,7 +2909,7 @@
           <a:p>
             <a:fld id="{E83A28FE-E695-438F-8FA7-E95EAB252C4E}" type="datetimeFigureOut">
               <a:rPr lang="sv-SE" smtClean="0"/>
-              <a:t>2018-10-26</a:t>
+              <a:t>2018-10-30</a:t>
             </a:fld>
             <a:endParaRPr lang="sv-SE"/>
           </a:p>
@@ -3323,10 +3328,10 @@
       </p:grpSpPr>
       <p:sp>
         <p:nvSpPr>
-          <p:cNvPr id="4" name="Rektangel 3">
-            <a:extLst>
-              <a:ext uri="{FF2B5EF4-FFF2-40B4-BE49-F238E27FC236}">
-                <a16:creationId xmlns:a16="http://schemas.microsoft.com/office/drawing/2014/main" id="{D197097E-0CFB-4AA4-B04E-600FEFB3973A}"/>
+          <p:cNvPr id="2" name="Rektangel 1">
+            <a:extLst>
+              <a:ext uri="{FF2B5EF4-FFF2-40B4-BE49-F238E27FC236}">
+                <a16:creationId xmlns:a16="http://schemas.microsoft.com/office/drawing/2014/main" id="{55EC609B-539B-4FF1-941C-305F038763E7}"/>
               </a:ext>
             </a:extLst>
           </p:cNvPr>
@@ -3335,14 +3340,14 @@
         </p:nvSpPr>
         <p:spPr>
           <a:xfrm>
-            <a:off x="2644459" y="1052476"/>
-            <a:ext cx="532660" cy="2155515"/>
+            <a:off x="5767753" y="1760175"/>
+            <a:ext cx="1493493" cy="1074269"/>
           </a:xfrm>
           <a:prstGeom prst="rect">
             <a:avLst/>
           </a:prstGeom>
           <a:solidFill>
-            <a:schemeClr val="accent6"/>
+            <a:srgbClr val="92D050"/>
           </a:solidFill>
         </p:spPr>
         <p:style>
@@ -3362,6 +3367,67 @@
           </a:fontRef>
         </p:style>
         <p:txBody>
+          <a:bodyPr vert="vert270" rtlCol="0" anchor="ctr"/>
+          <a:lstStyle/>
+          <a:p>
+            <a:pPr algn="ctr"/>
+            <a:endParaRPr lang="en-US" dirty="0"/>
+          </a:p>
+          <a:p>
+            <a:pPr algn="ctr"/>
+            <a:endParaRPr lang="en-US" dirty="0"/>
+          </a:p>
+          <a:p>
+            <a:pPr algn="ctr"/>
+            <a:r>
+              <a:rPr lang="en-US" dirty="0"/>
+              <a:t>Aggregate root</a:t>
+            </a:r>
+            <a:endParaRPr lang="sv-SE" dirty="0"/>
+          </a:p>
+        </p:txBody>
+      </p:sp>
+      <p:sp>
+        <p:nvSpPr>
+          <p:cNvPr id="4" name="Rektangel 3">
+            <a:extLst>
+              <a:ext uri="{FF2B5EF4-FFF2-40B4-BE49-F238E27FC236}">
+                <a16:creationId xmlns:a16="http://schemas.microsoft.com/office/drawing/2014/main" id="{D197097E-0CFB-4AA4-B04E-600FEFB3973A}"/>
+              </a:ext>
+            </a:extLst>
+          </p:cNvPr>
+          <p:cNvSpPr/>
+          <p:nvPr/>
+        </p:nvSpPr>
+        <p:spPr>
+          <a:xfrm>
+            <a:off x="1956531" y="1052476"/>
+            <a:ext cx="532660" cy="2155515"/>
+          </a:xfrm>
+          <a:prstGeom prst="rect">
+            <a:avLst/>
+          </a:prstGeom>
+          <a:solidFill>
+            <a:schemeClr val="accent6"/>
+          </a:solidFill>
+        </p:spPr>
+        <p:style>
+          <a:lnRef idx="2">
+            <a:schemeClr val="accent1">
+              <a:shade val="50000"/>
+            </a:schemeClr>
+          </a:lnRef>
+          <a:fillRef idx="1">
+            <a:schemeClr val="accent1"/>
+          </a:fillRef>
+          <a:effectRef idx="0">
+            <a:schemeClr val="accent1"/>
+          </a:effectRef>
+          <a:fontRef idx="minor">
+            <a:schemeClr val="lt1"/>
+          </a:fontRef>
+        </p:style>
+        <p:txBody>
           <a:bodyPr vert="wordArtVert" rtlCol="0" anchor="ctr"/>
           <a:lstStyle/>
           <a:p>
@@ -3388,7 +3454,7 @@
         </p:nvCxnSpPr>
         <p:spPr>
           <a:xfrm>
-            <a:off x="1634809" y="1821634"/>
+            <a:off x="946881" y="1821634"/>
             <a:ext cx="1009650" cy="0"/>
           </a:xfrm>
           <a:prstGeom prst="straightConnector1">
@@ -3427,7 +3493,7 @@
         </p:nvCxnSpPr>
         <p:spPr>
           <a:xfrm>
-            <a:off x="1634809" y="2131197"/>
+            <a:off x="946881" y="2131197"/>
             <a:ext cx="1009650" cy="0"/>
           </a:xfrm>
           <a:prstGeom prst="straightConnector1">
@@ -3466,7 +3532,7 @@
         </p:nvCxnSpPr>
         <p:spPr>
           <a:xfrm>
-            <a:off x="1634809" y="2440760"/>
+            <a:off x="946881" y="2440760"/>
             <a:ext cx="1009650" cy="0"/>
           </a:xfrm>
           <a:prstGeom prst="straightConnector1">
@@ -3505,7 +3571,7 @@
         </p:nvCxnSpPr>
         <p:spPr>
           <a:xfrm>
-            <a:off x="1634809" y="2750321"/>
+            <a:off x="946881" y="2750321"/>
             <a:ext cx="1009650" cy="0"/>
           </a:xfrm>
           <a:prstGeom prst="straightConnector1">
@@ -3544,7 +3610,7 @@
         </p:nvCxnSpPr>
         <p:spPr>
           <a:xfrm>
-            <a:off x="1634809" y="1512071"/>
+            <a:off x="946881" y="1512071"/>
             <a:ext cx="1009650" cy="0"/>
           </a:xfrm>
           <a:prstGeom prst="straightConnector1">
@@ -3583,7 +3649,7 @@
         </p:nvSpPr>
         <p:spPr>
           <a:xfrm>
-            <a:off x="1230981" y="1210271"/>
+            <a:off x="543053" y="1210271"/>
             <a:ext cx="403828" cy="1839927"/>
           </a:xfrm>
           <a:prstGeom prst="rect">
@@ -3619,7 +3685,7 @@
         </p:nvSpPr>
         <p:spPr>
           <a:xfrm>
-            <a:off x="3654109" y="1164722"/>
+            <a:off x="2899506" y="1164722"/>
             <a:ext cx="323850" cy="323850"/>
           </a:xfrm>
           <a:prstGeom prst="rect">
@@ -3671,7 +3737,7 @@
         </p:nvSpPr>
         <p:spPr>
           <a:xfrm>
-            <a:off x="3654109" y="1566997"/>
+            <a:off x="2899506" y="1566997"/>
             <a:ext cx="323850" cy="323850"/>
           </a:xfrm>
           <a:prstGeom prst="rect">
@@ -3723,7 +3789,7 @@
         </p:nvSpPr>
         <p:spPr>
           <a:xfrm>
-            <a:off x="3654109" y="1969272"/>
+            <a:off x="2899506" y="1969272"/>
             <a:ext cx="323850" cy="323850"/>
           </a:xfrm>
           <a:prstGeom prst="rect">
@@ -3775,7 +3841,7 @@
         </p:nvSpPr>
         <p:spPr>
           <a:xfrm>
-            <a:off x="3654109" y="2371547"/>
+            <a:off x="2899506" y="2371547"/>
             <a:ext cx="323850" cy="323850"/>
           </a:xfrm>
           <a:prstGeom prst="rect">
@@ -3827,7 +3893,7 @@
         </p:nvSpPr>
         <p:spPr>
           <a:xfrm>
-            <a:off x="3654109" y="2773822"/>
+            <a:off x="2899506" y="2773822"/>
             <a:ext cx="323850" cy="323850"/>
           </a:xfrm>
           <a:prstGeom prst="rect">
@@ -3879,7 +3945,7 @@
         </p:nvSpPr>
         <p:spPr>
           <a:xfrm>
-            <a:off x="4321600" y="1820671"/>
+            <a:off x="3566997" y="1820671"/>
             <a:ext cx="624852" cy="624852"/>
           </a:xfrm>
           <a:prstGeom prst="quadArrow">
@@ -3929,7 +3995,7 @@
         </p:nvSpPr>
         <p:spPr>
           <a:xfrm>
-            <a:off x="3330259" y="1052476"/>
+            <a:off x="2575656" y="1052476"/>
             <a:ext cx="323850" cy="2155515"/>
           </a:xfrm>
           <a:prstGeom prst="leftBrace">
@@ -3973,7 +4039,7 @@
         </p:nvSpPr>
         <p:spPr>
           <a:xfrm rot="10800000">
-            <a:off x="3969174" y="1052474"/>
+            <a:off x="3214571" y="1052474"/>
             <a:ext cx="323850" cy="2155515"/>
           </a:xfrm>
           <a:prstGeom prst="leftBrace">
@@ -4017,7 +4083,7 @@
         </p:nvSpPr>
         <p:spPr>
           <a:xfrm>
-            <a:off x="5653088" y="907235"/>
+            <a:off x="4898485" y="907235"/>
             <a:ext cx="442912" cy="442912"/>
           </a:xfrm>
           <a:prstGeom prst="rect">
@@ -4063,7 +4129,7 @@
         </p:nvSpPr>
         <p:spPr>
           <a:xfrm>
-            <a:off x="5653088" y="1407297"/>
+            <a:off x="4898485" y="1407297"/>
             <a:ext cx="442912" cy="442912"/>
           </a:xfrm>
           <a:prstGeom prst="rect">
@@ -4109,7 +4175,7 @@
         </p:nvSpPr>
         <p:spPr>
           <a:xfrm>
-            <a:off x="5653088" y="1907359"/>
+            <a:off x="4898485" y="1907359"/>
             <a:ext cx="442912" cy="442912"/>
           </a:xfrm>
           <a:prstGeom prst="rect">
@@ -4155,7 +4221,7 @@
         </p:nvSpPr>
         <p:spPr>
           <a:xfrm>
-            <a:off x="5653088" y="2407422"/>
+            <a:off x="4898485" y="2407422"/>
             <a:ext cx="442912" cy="442912"/>
           </a:xfrm>
           <a:prstGeom prst="rect">
@@ -4201,7 +4267,7 @@
         </p:nvSpPr>
         <p:spPr>
           <a:xfrm>
-            <a:off x="5653088" y="2907485"/>
+            <a:off x="4898485" y="2907485"/>
             <a:ext cx="442912" cy="442912"/>
           </a:xfrm>
           <a:prstGeom prst="rect">
@@ -4250,7 +4316,7 @@
         </p:nvCxnSpPr>
         <p:spPr>
           <a:xfrm flipV="1">
-            <a:off x="4946452" y="1128691"/>
+            <a:off x="4191849" y="1128691"/>
             <a:ext cx="706636" cy="1004406"/>
           </a:xfrm>
           <a:prstGeom prst="straightConnector1">
@@ -4292,7 +4358,7 @@
         </p:nvCxnSpPr>
         <p:spPr>
           <a:xfrm flipV="1">
-            <a:off x="4946452" y="1628753"/>
+            <a:off x="4191849" y="1628753"/>
             <a:ext cx="706636" cy="504344"/>
           </a:xfrm>
           <a:prstGeom prst="straightConnector1">
@@ -4334,7 +4400,7 @@
         </p:nvCxnSpPr>
         <p:spPr>
           <a:xfrm flipV="1">
-            <a:off x="4946452" y="2128815"/>
+            <a:off x="4191849" y="2128815"/>
             <a:ext cx="706636" cy="4282"/>
           </a:xfrm>
           <a:prstGeom prst="straightConnector1">
@@ -4376,7 +4442,7 @@
         </p:nvCxnSpPr>
         <p:spPr>
           <a:xfrm>
-            <a:off x="4946452" y="2133097"/>
+            <a:off x="4191849" y="2133097"/>
             <a:ext cx="706636" cy="495781"/>
           </a:xfrm>
           <a:prstGeom prst="straightConnector1">
@@ -4418,7 +4484,7 @@
         </p:nvCxnSpPr>
         <p:spPr>
           <a:xfrm>
-            <a:off x="4946452" y="2133097"/>
+            <a:off x="4191849" y="2133097"/>
             <a:ext cx="706636" cy="995844"/>
           </a:xfrm>
           <a:prstGeom prst="straightConnector1">
@@ -4457,7 +4523,7 @@
         </p:nvSpPr>
         <p:spPr>
           <a:xfrm>
-            <a:off x="6592265" y="1152792"/>
+            <a:off x="5708454" y="1974263"/>
             <a:ext cx="323850" cy="323850"/>
           </a:xfrm>
           <a:prstGeom prst="rect">
@@ -4509,7 +4575,7 @@
         </p:nvSpPr>
         <p:spPr>
           <a:xfrm>
-            <a:off x="6592265" y="1555067"/>
+            <a:off x="5807552" y="2055025"/>
             <a:ext cx="323850" cy="323850"/>
           </a:xfrm>
           <a:prstGeom prst="rect">
@@ -4561,7 +4627,7 @@
         </p:nvSpPr>
         <p:spPr>
           <a:xfrm>
-            <a:off x="6592265" y="1957342"/>
+            <a:off x="5906650" y="2135787"/>
             <a:ext cx="323850" cy="323850"/>
           </a:xfrm>
           <a:prstGeom prst="rect">
@@ -4613,7 +4679,7 @@
         </p:nvSpPr>
         <p:spPr>
           <a:xfrm>
-            <a:off x="6592265" y="2359617"/>
+            <a:off x="6005748" y="2216549"/>
             <a:ext cx="323850" cy="323850"/>
           </a:xfrm>
           <a:prstGeom prst="rect">
@@ -4665,7 +4731,7 @@
         </p:nvSpPr>
         <p:spPr>
           <a:xfrm>
-            <a:off x="6592265" y="2761892"/>
+            <a:off x="6104846" y="2297310"/>
             <a:ext cx="323850" cy="323850"/>
           </a:xfrm>
           <a:prstGeom prst="rect">
@@ -4705,10 +4771,10 @@
       </p:sp>
       <p:sp>
         <p:nvSpPr>
-          <p:cNvPr id="46" name="Vänster klammerparentes 45">
-            <a:extLst>
-              <a:ext uri="{FF2B5EF4-FFF2-40B4-BE49-F238E27FC236}">
-                <a16:creationId xmlns:a16="http://schemas.microsoft.com/office/drawing/2014/main" id="{D0C31F67-6411-47EA-98D9-5B5D79A2C111}"/>
+          <p:cNvPr id="74" name="Cylinder 73">
+            <a:extLst>
+              <a:ext uri="{FF2B5EF4-FFF2-40B4-BE49-F238E27FC236}">
+                <a16:creationId xmlns:a16="http://schemas.microsoft.com/office/drawing/2014/main" id="{3203D3B8-92C3-4E54-A09B-05F6BC71B04F}"/>
               </a:ext>
             </a:extLst>
           </p:cNvPr>
@@ -4717,65 +4783,12 @@
         </p:nvSpPr>
         <p:spPr>
           <a:xfrm>
-            <a:off x="6268415" y="1040546"/>
-            <a:ext cx="323850" cy="2155515"/>
-          </a:xfrm>
-          <a:prstGeom prst="leftBrace">
+            <a:off x="10342569" y="2865090"/>
+            <a:ext cx="839310" cy="819150"/>
+          </a:xfrm>
+          <a:prstGeom prst="can">
             <a:avLst/>
           </a:prstGeom>
-        </p:spPr>
-        <p:style>
-          <a:lnRef idx="1">
-            <a:schemeClr val="accent1"/>
-          </a:lnRef>
-          <a:fillRef idx="0">
-            <a:schemeClr val="accent1"/>
-          </a:fillRef>
-          <a:effectRef idx="0">
-            <a:schemeClr val="accent1"/>
-          </a:effectRef>
-          <a:fontRef idx="minor">
-            <a:schemeClr val="tx1"/>
-          </a:fontRef>
-        </p:style>
-        <p:txBody>
-          <a:bodyPr rtlCol="0" anchor="ctr"/>
-          <a:lstStyle/>
-          <a:p>
-            <a:pPr algn="ctr"/>
-            <a:endParaRPr lang="sv-SE"/>
-          </a:p>
-        </p:txBody>
-      </p:sp>
-      <p:sp>
-        <p:nvSpPr>
-          <p:cNvPr id="49" name="Pil: kors 48">
-            <a:extLst>
-              <a:ext uri="{FF2B5EF4-FFF2-40B4-BE49-F238E27FC236}">
-                <a16:creationId xmlns:a16="http://schemas.microsoft.com/office/drawing/2014/main" id="{F40B26DE-CBE9-4784-86BD-0ECB5C55C679}"/>
-              </a:ext>
-            </a:extLst>
-          </p:cNvPr>
-          <p:cNvSpPr/>
-          <p:nvPr/>
-        </p:nvSpPr>
-        <p:spPr>
-          <a:xfrm>
-            <a:off x="7239966" y="1820671"/>
-            <a:ext cx="624852" cy="624852"/>
-          </a:xfrm>
-          <a:prstGeom prst="quadArrow">
-            <a:avLst>
-              <a:gd name="adj1" fmla="val 28686"/>
-              <a:gd name="adj2" fmla="val 23531"/>
-              <a:gd name="adj3" fmla="val 16314"/>
-            </a:avLst>
-          </a:prstGeom>
-          <a:solidFill>
-            <a:schemeClr val="accent2">
-              <a:lumMod val="75000"/>
-            </a:schemeClr>
-          </a:solidFill>
         </p:spPr>
         <p:style>
           <a:lnRef idx="2">
@@ -4804,72 +4817,206 @@
       </p:sp>
       <p:sp>
         <p:nvSpPr>
-          <p:cNvPr id="50" name="Vänster klammerparentes 49">
-            <a:extLst>
-              <a:ext uri="{FF2B5EF4-FFF2-40B4-BE49-F238E27FC236}">
-                <a16:creationId xmlns:a16="http://schemas.microsoft.com/office/drawing/2014/main" id="{75EA27D6-1CC9-44C3-82D6-E0CFDC606AEC}"/>
-              </a:ext>
-            </a:extLst>
-          </p:cNvPr>
-          <p:cNvSpPr/>
+          <p:cNvPr id="75" name="textruta 74">
+            <a:extLst>
+              <a:ext uri="{FF2B5EF4-FFF2-40B4-BE49-F238E27FC236}">
+                <a16:creationId xmlns:a16="http://schemas.microsoft.com/office/drawing/2014/main" id="{4CE23AE1-131A-4AD6-A9F4-7E23D2D57B6C}"/>
+              </a:ext>
+            </a:extLst>
+          </p:cNvPr>
+          <p:cNvSpPr txBox="1"/>
           <p:nvPr/>
         </p:nvSpPr>
         <p:spPr>
-          <a:xfrm rot="10800000">
-            <a:off x="6907330" y="1040546"/>
-            <a:ext cx="323850" cy="2155515"/>
-          </a:xfrm>
-          <a:prstGeom prst="leftBrace">
-            <a:avLst/>
-          </a:prstGeom>
-        </p:spPr>
-        <p:style>
-          <a:lnRef idx="1">
-            <a:schemeClr val="accent1"/>
-          </a:lnRef>
-          <a:fillRef idx="0">
-            <a:schemeClr val="accent1"/>
-          </a:fillRef>
-          <a:effectRef idx="0">
-            <a:schemeClr val="accent1"/>
-          </a:effectRef>
-          <a:fontRef idx="minor">
-            <a:schemeClr val="tx1"/>
-          </a:fontRef>
-        </p:style>
-        <p:txBody>
-          <a:bodyPr rtlCol="0" anchor="ctr"/>
-          <a:lstStyle/>
-          <a:p>
-            <a:pPr algn="ctr"/>
-            <a:endParaRPr lang="sv-SE"/>
-          </a:p>
-        </p:txBody>
-      </p:sp>
-      <p:sp>
-        <p:nvSpPr>
-          <p:cNvPr id="62" name="Rektangel 61">
-            <a:extLst>
-              <a:ext uri="{FF2B5EF4-FFF2-40B4-BE49-F238E27FC236}">
-                <a16:creationId xmlns:a16="http://schemas.microsoft.com/office/drawing/2014/main" id="{AE419107-3FF4-4C13-A481-9228D940B55C}"/>
-              </a:ext>
-            </a:extLst>
-          </p:cNvPr>
-          <p:cNvSpPr/>
-          <p:nvPr/>
-        </p:nvSpPr>
-        <p:spPr>
-          <a:xfrm>
-            <a:off x="8579337" y="907235"/>
-            <a:ext cx="442912" cy="442912"/>
+          <a:xfrm rot="2700000">
+            <a:off x="2864116" y="3388811"/>
+            <a:ext cx="984693" cy="307777"/>
           </a:xfrm>
           <a:prstGeom prst="rect">
             <a:avLst/>
           </a:prstGeom>
+          <a:noFill/>
+        </p:spPr>
+        <p:txBody>
+          <a:bodyPr wrap="none" rtlCol="0">
+            <a:spAutoFit/>
+          </a:bodyPr>
+          <a:lstStyle/>
+          <a:p>
+            <a:r>
+              <a:rPr lang="en-US" sz="1400" dirty="0"/>
+              <a:t>commands</a:t>
+            </a:r>
+            <a:endParaRPr lang="sv-SE" sz="1400" dirty="0"/>
+          </a:p>
+        </p:txBody>
+      </p:sp>
+      <p:sp>
+        <p:nvSpPr>
+          <p:cNvPr id="76" name="textruta 75">
+            <a:extLst>
+              <a:ext uri="{FF2B5EF4-FFF2-40B4-BE49-F238E27FC236}">
+                <a16:creationId xmlns:a16="http://schemas.microsoft.com/office/drawing/2014/main" id="{F0BA5E78-5E4B-4D96-AEEF-616E98F3DB5C}"/>
+              </a:ext>
+            </a:extLst>
+          </p:cNvPr>
+          <p:cNvSpPr txBox="1"/>
+          <p:nvPr/>
+        </p:nvSpPr>
+        <p:spPr>
+          <a:xfrm rot="2700000">
+            <a:off x="3394694" y="2850350"/>
+            <a:ext cx="1485150" cy="307777"/>
+          </a:xfrm>
+          <a:prstGeom prst="rect">
+            <a:avLst/>
+          </a:prstGeom>
+          <a:noFill/>
+        </p:spPr>
+        <p:txBody>
+          <a:bodyPr wrap="none" rtlCol="0">
+            <a:spAutoFit/>
+          </a:bodyPr>
+          <a:lstStyle/>
+          <a:p>
+            <a:r>
+              <a:rPr lang="en-US" sz="1400" dirty="0"/>
+              <a:t>command routing</a:t>
+            </a:r>
+            <a:endParaRPr lang="sv-SE" sz="1400" dirty="0"/>
+          </a:p>
+        </p:txBody>
+      </p:sp>
+      <p:sp>
+        <p:nvSpPr>
+          <p:cNvPr id="77" name="textruta 76">
+            <a:extLst>
+              <a:ext uri="{FF2B5EF4-FFF2-40B4-BE49-F238E27FC236}">
+                <a16:creationId xmlns:a16="http://schemas.microsoft.com/office/drawing/2014/main" id="{0A42A25F-08AE-4E86-810D-60E5F5FD78CF}"/>
+              </a:ext>
+            </a:extLst>
+          </p:cNvPr>
+          <p:cNvSpPr txBox="1"/>
+          <p:nvPr/>
+        </p:nvSpPr>
+        <p:spPr>
+          <a:xfrm rot="2700000">
+            <a:off x="4712804" y="3845768"/>
+            <a:ext cx="1585947" cy="307777"/>
+          </a:xfrm>
+          <a:prstGeom prst="rect">
+            <a:avLst/>
+          </a:prstGeom>
+          <a:noFill/>
+        </p:spPr>
+        <p:txBody>
+          <a:bodyPr wrap="none" rtlCol="0">
+            <a:spAutoFit/>
+          </a:bodyPr>
+          <a:lstStyle/>
+          <a:p>
+            <a:r>
+              <a:rPr lang="en-US" sz="1400" dirty="0"/>
+              <a:t>command handlers</a:t>
+            </a:r>
+            <a:endParaRPr lang="sv-SE" sz="1400" dirty="0"/>
+          </a:p>
+        </p:txBody>
+      </p:sp>
+      <p:sp>
+        <p:nvSpPr>
+          <p:cNvPr id="78" name="textruta 77">
+            <a:extLst>
+              <a:ext uri="{FF2B5EF4-FFF2-40B4-BE49-F238E27FC236}">
+                <a16:creationId xmlns:a16="http://schemas.microsoft.com/office/drawing/2014/main" id="{97BA57E4-064A-47A6-9BF9-687930617F16}"/>
+              </a:ext>
+            </a:extLst>
+          </p:cNvPr>
+          <p:cNvSpPr txBox="1"/>
+          <p:nvPr/>
+        </p:nvSpPr>
+        <p:spPr>
+          <a:xfrm rot="2700000">
+            <a:off x="5729056" y="2111935"/>
+            <a:ext cx="667683" cy="307777"/>
+          </a:xfrm>
+          <a:prstGeom prst="rect">
+            <a:avLst/>
+          </a:prstGeom>
+          <a:noFill/>
+        </p:spPr>
+        <p:txBody>
+          <a:bodyPr wrap="none" rtlCol="0">
+            <a:spAutoFit/>
+          </a:bodyPr>
+          <a:lstStyle/>
+          <a:p>
+            <a:r>
+              <a:rPr lang="en-US" sz="1400" dirty="0"/>
+              <a:t>events</a:t>
+            </a:r>
+            <a:endParaRPr lang="sv-SE" sz="1400" dirty="0"/>
+          </a:p>
+        </p:txBody>
+      </p:sp>
+      <p:sp>
+        <p:nvSpPr>
+          <p:cNvPr id="81" name="textruta 80">
+            <a:extLst>
+              <a:ext uri="{FF2B5EF4-FFF2-40B4-BE49-F238E27FC236}">
+                <a16:creationId xmlns:a16="http://schemas.microsoft.com/office/drawing/2014/main" id="{146B3C67-3BBA-4B74-9073-5BFB3E647C2D}"/>
+              </a:ext>
+            </a:extLst>
+          </p:cNvPr>
+          <p:cNvSpPr txBox="1"/>
+          <p:nvPr/>
+        </p:nvSpPr>
+        <p:spPr>
+          <a:xfrm rot="2700000">
+            <a:off x="10399400" y="3854499"/>
+            <a:ext cx="725648" cy="307777"/>
+          </a:xfrm>
+          <a:prstGeom prst="rect">
+            <a:avLst/>
+          </a:prstGeom>
+          <a:noFill/>
+        </p:spPr>
+        <p:txBody>
+          <a:bodyPr wrap="none" rtlCol="0">
+            <a:spAutoFit/>
+          </a:bodyPr>
+          <a:lstStyle/>
+          <a:p>
+            <a:r>
+              <a:rPr lang="en-US" sz="1400" dirty="0"/>
+              <a:t>storage</a:t>
+            </a:r>
+            <a:endParaRPr lang="sv-SE" sz="1400" dirty="0"/>
+          </a:p>
+        </p:txBody>
+      </p:sp>
+      <p:sp>
+        <p:nvSpPr>
+          <p:cNvPr id="89" name="Blixt 88">
+            <a:extLst>
+              <a:ext uri="{FF2B5EF4-FFF2-40B4-BE49-F238E27FC236}">
+                <a16:creationId xmlns:a16="http://schemas.microsoft.com/office/drawing/2014/main" id="{3903EEFD-048D-40A2-87DC-E72F1E771056}"/>
+              </a:ext>
+            </a:extLst>
+          </p:cNvPr>
+          <p:cNvSpPr/>
+          <p:nvPr/>
+        </p:nvSpPr>
+        <p:spPr>
+          <a:xfrm>
+            <a:off x="7011046" y="2645333"/>
+            <a:ext cx="442912" cy="914400"/>
+          </a:xfrm>
+          <a:prstGeom prst="lightningBolt">
+            <a:avLst/>
+          </a:prstGeom>
           <a:solidFill>
-            <a:schemeClr val="accent2">
-              <a:lumMod val="75000"/>
-            </a:schemeClr>
+            <a:srgbClr val="FFFF00"/>
           </a:solidFill>
         </p:spPr>
         <p:style>
@@ -4899,10 +5046,52 @@
       </p:sp>
       <p:sp>
         <p:nvSpPr>
-          <p:cNvPr id="63" name="Rektangel 62">
-            <a:extLst>
-              <a:ext uri="{FF2B5EF4-FFF2-40B4-BE49-F238E27FC236}">
-                <a16:creationId xmlns:a16="http://schemas.microsoft.com/office/drawing/2014/main" id="{1EC26DB9-2533-4E5F-B2C5-B5F69F1BE6CC}"/>
+          <p:cNvPr id="90" name="textruta 89">
+            <a:extLst>
+              <a:ext uri="{FF2B5EF4-FFF2-40B4-BE49-F238E27FC236}">
+                <a16:creationId xmlns:a16="http://schemas.microsoft.com/office/drawing/2014/main" id="{02915F95-A18A-4503-8207-8503F8789DD8}"/>
+              </a:ext>
+            </a:extLst>
+          </p:cNvPr>
+          <p:cNvSpPr txBox="1"/>
+          <p:nvPr/>
+        </p:nvSpPr>
+        <p:spPr>
+          <a:xfrm>
+            <a:off x="7009436" y="3577982"/>
+            <a:ext cx="741037" cy="523220"/>
+          </a:xfrm>
+          <a:prstGeom prst="rect">
+            <a:avLst/>
+          </a:prstGeom>
+          <a:noFill/>
+        </p:spPr>
+        <p:txBody>
+          <a:bodyPr wrap="none" rtlCol="0">
+            <a:spAutoFit/>
+          </a:bodyPr>
+          <a:lstStyle/>
+          <a:p>
+            <a:r>
+              <a:rPr lang="en-US" sz="1400" dirty="0"/>
+              <a:t>commit</a:t>
+            </a:r>
+          </a:p>
+          <a:p>
+            <a:r>
+              <a:rPr lang="en-US" sz="1400" dirty="0"/>
+              <a:t>events</a:t>
+            </a:r>
+            <a:endParaRPr lang="sv-SE" sz="1400" dirty="0"/>
+          </a:p>
+        </p:txBody>
+      </p:sp>
+      <p:sp>
+        <p:nvSpPr>
+          <p:cNvPr id="91" name="Rektangel 90">
+            <a:extLst>
+              <a:ext uri="{FF2B5EF4-FFF2-40B4-BE49-F238E27FC236}">
+                <a16:creationId xmlns:a16="http://schemas.microsoft.com/office/drawing/2014/main" id="{C3D1FF93-8813-4CCF-9D7E-59EB1DCA69EA}"/>
               </a:ext>
             </a:extLst>
           </p:cNvPr>
@@ -4910,17 +5099,15 @@
           <p:nvPr/>
         </p:nvSpPr>
         <p:spPr>
-          <a:xfrm>
-            <a:off x="8579337" y="1407297"/>
-            <a:ext cx="442912" cy="442912"/>
+          <a:xfrm rot="5400000">
+            <a:off x="8569828" y="2699431"/>
+            <a:ext cx="706636" cy="1074269"/>
           </a:xfrm>
           <a:prstGeom prst="rect">
             <a:avLst/>
           </a:prstGeom>
           <a:solidFill>
-            <a:schemeClr val="accent2">
-              <a:lumMod val="75000"/>
-            </a:schemeClr>
+            <a:srgbClr val="00B050"/>
           </a:solidFill>
         </p:spPr>
         <p:style>
@@ -4940,20 +5127,24 @@
           </a:fontRef>
         </p:style>
         <p:txBody>
-          <a:bodyPr rtlCol="0" anchor="ctr"/>
+          <a:bodyPr vert="vert270" rtlCol="0" anchor="ctr"/>
           <a:lstStyle/>
           <a:p>
             <a:pPr algn="ctr"/>
-            <a:endParaRPr lang="sv-SE"/>
-          </a:p>
-        </p:txBody>
-      </p:sp>
-      <p:sp>
-        <p:nvSpPr>
-          <p:cNvPr id="64" name="Rektangel 63">
-            <a:extLst>
-              <a:ext uri="{FF2B5EF4-FFF2-40B4-BE49-F238E27FC236}">
-                <a16:creationId xmlns:a16="http://schemas.microsoft.com/office/drawing/2014/main" id="{00F426A1-45E6-4B4C-9A51-FF58CDEED915}"/>
+            <a:r>
+              <a:rPr lang="en-US" dirty="0"/>
+              <a:t>State</a:t>
+            </a:r>
+            <a:endParaRPr lang="sv-SE" dirty="0"/>
+          </a:p>
+        </p:txBody>
+      </p:sp>
+      <p:sp>
+        <p:nvSpPr>
+          <p:cNvPr id="92" name="Pil: höger 91">
+            <a:extLst>
+              <a:ext uri="{FF2B5EF4-FFF2-40B4-BE49-F238E27FC236}">
+                <a16:creationId xmlns:a16="http://schemas.microsoft.com/office/drawing/2014/main" id="{1C67AFDD-CEBD-441A-BD35-22132B0F07AF}"/>
               </a:ext>
             </a:extLst>
           </p:cNvPr>
@@ -4962,16 +5153,14 @@
         </p:nvSpPr>
         <p:spPr>
           <a:xfrm>
-            <a:off x="8579337" y="1907359"/>
-            <a:ext cx="442912" cy="442912"/>
-          </a:xfrm>
-          <a:prstGeom prst="rect">
+            <a:off x="7572569" y="3205275"/>
+            <a:ext cx="637592" cy="157797"/>
+          </a:xfrm>
+          <a:prstGeom prst="rightArrow">
             <a:avLst/>
           </a:prstGeom>
           <a:solidFill>
-            <a:schemeClr val="accent2">
-              <a:lumMod val="75000"/>
-            </a:schemeClr>
+            <a:srgbClr val="00B050"/>
           </a:solidFill>
         </p:spPr>
         <p:style>
@@ -4991,7 +5180,12 @@
           </a:fontRef>
         </p:style>
         <p:txBody>
-          <a:bodyPr rtlCol="0" anchor="ctr"/>
+          <a:bodyPr rot="0" spcFirstLastPara="0" vertOverflow="overflow" horzOverflow="overflow" vert="vert270" wrap="square" lIns="91440" tIns="45720" rIns="91440" bIns="45720" numCol="1" spcCol="0" rtlCol="0" fromWordArt="0" anchor="ctr" anchorCtr="0" forceAA="0" compatLnSpc="1">
+            <a:prstTxWarp prst="textNoShape">
+              <a:avLst/>
+            </a:prstTxWarp>
+            <a:noAutofit/>
+          </a:bodyPr>
           <a:lstStyle/>
           <a:p>
             <a:pPr algn="ctr"/>
@@ -5001,10 +5195,10 @@
       </p:sp>
       <p:sp>
         <p:nvSpPr>
-          <p:cNvPr id="65" name="Rektangel 64">
-            <a:extLst>
-              <a:ext uri="{FF2B5EF4-FFF2-40B4-BE49-F238E27FC236}">
-                <a16:creationId xmlns:a16="http://schemas.microsoft.com/office/drawing/2014/main" id="{A7C80995-D981-40F3-8E48-A5EF0EA0EFA8}"/>
+          <p:cNvPr id="93" name="Pil: höger 92">
+            <a:extLst>
+              <a:ext uri="{FF2B5EF4-FFF2-40B4-BE49-F238E27FC236}">
+                <a16:creationId xmlns:a16="http://schemas.microsoft.com/office/drawing/2014/main" id="{03F0C8F2-5736-499B-9D59-6BFAA4E2391F}"/>
               </a:ext>
             </a:extLst>
           </p:cNvPr>
@@ -5013,16 +5207,14 @@
         </p:nvSpPr>
         <p:spPr>
           <a:xfrm>
-            <a:off x="8579337" y="2407422"/>
-            <a:ext cx="442912" cy="442912"/>
-          </a:xfrm>
-          <a:prstGeom prst="rect">
+            <a:off x="9601035" y="3200534"/>
+            <a:ext cx="637592" cy="157797"/>
+          </a:xfrm>
+          <a:prstGeom prst="rightArrow">
             <a:avLst/>
           </a:prstGeom>
           <a:solidFill>
-            <a:schemeClr val="accent2">
-              <a:lumMod val="75000"/>
-            </a:schemeClr>
+            <a:srgbClr val="00B050"/>
           </a:solidFill>
         </p:spPr>
         <p:style>
@@ -5042,7 +5234,12 @@
           </a:fontRef>
         </p:style>
         <p:txBody>
-          <a:bodyPr rtlCol="0" anchor="ctr"/>
+          <a:bodyPr rot="0" spcFirstLastPara="0" vertOverflow="overflow" horzOverflow="overflow" vert="vert270" wrap="square" lIns="91440" tIns="45720" rIns="91440" bIns="45720" numCol="1" spcCol="0" rtlCol="0" fromWordArt="0" anchor="ctr" anchorCtr="0" forceAA="0" compatLnSpc="1">
+            <a:prstTxWarp prst="textNoShape">
+              <a:avLst/>
+            </a:prstTxWarp>
+            <a:noAutofit/>
+          </a:bodyPr>
           <a:lstStyle/>
           <a:p>
             <a:pPr algn="ctr"/>
@@ -5052,10 +5249,10 @@
       </p:sp>
       <p:sp>
         <p:nvSpPr>
-          <p:cNvPr id="66" name="Rektangel 65">
-            <a:extLst>
-              <a:ext uri="{FF2B5EF4-FFF2-40B4-BE49-F238E27FC236}">
-                <a16:creationId xmlns:a16="http://schemas.microsoft.com/office/drawing/2014/main" id="{F3DDC7F1-DF0A-4B91-AD2E-BB6D421DEF84}"/>
+          <p:cNvPr id="95" name="Vänster klammerparentes 94">
+            <a:extLst>
+              <a:ext uri="{FF2B5EF4-FFF2-40B4-BE49-F238E27FC236}">
+                <a16:creationId xmlns:a16="http://schemas.microsoft.com/office/drawing/2014/main" id="{E3B57D63-FABC-47AC-8A6A-348202AEF8FD}"/>
               </a:ext>
             </a:extLst>
           </p:cNvPr>
@@ -5063,69 +5260,13 @@
           <p:nvPr/>
         </p:nvSpPr>
         <p:spPr>
-          <a:xfrm>
-            <a:off x="8579337" y="2907485"/>
-            <a:ext cx="442912" cy="442912"/>
-          </a:xfrm>
-          <a:prstGeom prst="rect">
+          <a:xfrm rot="10800000">
+            <a:off x="5348713" y="779384"/>
+            <a:ext cx="323850" cy="2691557"/>
+          </a:xfrm>
+          <a:prstGeom prst="leftBrace">
             <a:avLst/>
           </a:prstGeom>
-          <a:solidFill>
-            <a:schemeClr val="accent2">
-              <a:lumMod val="75000"/>
-            </a:schemeClr>
-          </a:solidFill>
-        </p:spPr>
-        <p:style>
-          <a:lnRef idx="2">
-            <a:schemeClr val="accent1">
-              <a:shade val="50000"/>
-            </a:schemeClr>
-          </a:lnRef>
-          <a:fillRef idx="1">
-            <a:schemeClr val="accent1"/>
-          </a:fillRef>
-          <a:effectRef idx="0">
-            <a:schemeClr val="accent1"/>
-          </a:effectRef>
-          <a:fontRef idx="minor">
-            <a:schemeClr val="lt1"/>
-          </a:fontRef>
-        </p:style>
-        <p:txBody>
-          <a:bodyPr rtlCol="0" anchor="ctr"/>
-          <a:lstStyle/>
-          <a:p>
-            <a:pPr algn="ctr"/>
-            <a:endParaRPr lang="sv-SE"/>
-          </a:p>
-        </p:txBody>
-      </p:sp>
-      <p:cxnSp>
-        <p:nvCxnSpPr>
-          <p:cNvPr id="67" name="Rak pilkoppling 66">
-            <a:extLst>
-              <a:ext uri="{FF2B5EF4-FFF2-40B4-BE49-F238E27FC236}">
-                <a16:creationId xmlns:a16="http://schemas.microsoft.com/office/drawing/2014/main" id="{8E4E3E4E-9768-4D94-9D7D-EE070DF280D1}"/>
-              </a:ext>
-            </a:extLst>
-          </p:cNvPr>
-          <p:cNvCxnSpPr>
-            <a:endCxn id="62" idx="1"/>
-          </p:cNvCxnSpPr>
-          <p:nvPr/>
-        </p:nvCxnSpPr>
-        <p:spPr>
-          <a:xfrm flipV="1">
-            <a:off x="7872701" y="1128691"/>
-            <a:ext cx="706636" cy="1004406"/>
-          </a:xfrm>
-          <a:prstGeom prst="straightConnector1">
-            <a:avLst/>
-          </a:prstGeom>
-          <a:ln>
-            <a:tailEnd type="triangle"/>
-          </a:ln>
         </p:spPr>
         <p:style>
           <a:lnRef idx="1">
@@ -5141,512 +5282,12 @@
             <a:schemeClr val="tx1"/>
           </a:fontRef>
         </p:style>
-      </p:cxnSp>
-      <p:cxnSp>
-        <p:nvCxnSpPr>
-          <p:cNvPr id="68" name="Rak pilkoppling 67">
-            <a:extLst>
-              <a:ext uri="{FF2B5EF4-FFF2-40B4-BE49-F238E27FC236}">
-                <a16:creationId xmlns:a16="http://schemas.microsoft.com/office/drawing/2014/main" id="{8A8B865C-5FA0-4A91-B40F-9B22B0C77F1D}"/>
-              </a:ext>
-            </a:extLst>
-          </p:cNvPr>
-          <p:cNvCxnSpPr>
-            <a:endCxn id="63" idx="1"/>
-          </p:cNvCxnSpPr>
-          <p:nvPr/>
-        </p:nvCxnSpPr>
-        <p:spPr>
-          <a:xfrm flipV="1">
-            <a:off x="7872701" y="1628753"/>
-            <a:ext cx="706636" cy="504344"/>
-          </a:xfrm>
-          <a:prstGeom prst="straightConnector1">
-            <a:avLst/>
-          </a:prstGeom>
-          <a:ln>
-            <a:tailEnd type="triangle"/>
-          </a:ln>
-        </p:spPr>
-        <p:style>
-          <a:lnRef idx="1">
-            <a:schemeClr val="accent1"/>
-          </a:lnRef>
-          <a:fillRef idx="0">
-            <a:schemeClr val="accent1"/>
-          </a:fillRef>
-          <a:effectRef idx="0">
-            <a:schemeClr val="accent1"/>
-          </a:effectRef>
-          <a:fontRef idx="minor">
-            <a:schemeClr val="tx1"/>
-          </a:fontRef>
-        </p:style>
-      </p:cxnSp>
-      <p:cxnSp>
-        <p:nvCxnSpPr>
-          <p:cNvPr id="69" name="Rak pilkoppling 68">
-            <a:extLst>
-              <a:ext uri="{FF2B5EF4-FFF2-40B4-BE49-F238E27FC236}">
-                <a16:creationId xmlns:a16="http://schemas.microsoft.com/office/drawing/2014/main" id="{73C7793A-1CD3-40CB-8E9B-AB39C6D787B5}"/>
-              </a:ext>
-            </a:extLst>
-          </p:cNvPr>
-          <p:cNvCxnSpPr>
-            <a:endCxn id="64" idx="1"/>
-          </p:cNvCxnSpPr>
-          <p:nvPr/>
-        </p:nvCxnSpPr>
-        <p:spPr>
-          <a:xfrm flipV="1">
-            <a:off x="7872701" y="2128815"/>
-            <a:ext cx="706636" cy="4282"/>
-          </a:xfrm>
-          <a:prstGeom prst="straightConnector1">
-            <a:avLst/>
-          </a:prstGeom>
-          <a:ln>
-            <a:tailEnd type="triangle"/>
-          </a:ln>
-        </p:spPr>
-        <p:style>
-          <a:lnRef idx="1">
-            <a:schemeClr val="accent1"/>
-          </a:lnRef>
-          <a:fillRef idx="0">
-            <a:schemeClr val="accent1"/>
-          </a:fillRef>
-          <a:effectRef idx="0">
-            <a:schemeClr val="accent1"/>
-          </a:effectRef>
-          <a:fontRef idx="minor">
-            <a:schemeClr val="tx1"/>
-          </a:fontRef>
-        </p:style>
-      </p:cxnSp>
-      <p:cxnSp>
-        <p:nvCxnSpPr>
-          <p:cNvPr id="70" name="Rak pilkoppling 69">
-            <a:extLst>
-              <a:ext uri="{FF2B5EF4-FFF2-40B4-BE49-F238E27FC236}">
-                <a16:creationId xmlns:a16="http://schemas.microsoft.com/office/drawing/2014/main" id="{C9E629EB-C232-4082-8A51-24E58BB7F982}"/>
-              </a:ext>
-            </a:extLst>
-          </p:cNvPr>
-          <p:cNvCxnSpPr>
-            <a:endCxn id="65" idx="1"/>
-          </p:cNvCxnSpPr>
-          <p:nvPr/>
-        </p:nvCxnSpPr>
-        <p:spPr>
-          <a:xfrm>
-            <a:off x="7872701" y="2133097"/>
-            <a:ext cx="706636" cy="495781"/>
-          </a:xfrm>
-          <a:prstGeom prst="straightConnector1">
-            <a:avLst/>
-          </a:prstGeom>
-          <a:ln>
-            <a:tailEnd type="triangle"/>
-          </a:ln>
-        </p:spPr>
-        <p:style>
-          <a:lnRef idx="1">
-            <a:schemeClr val="accent1"/>
-          </a:lnRef>
-          <a:fillRef idx="0">
-            <a:schemeClr val="accent1"/>
-          </a:fillRef>
-          <a:effectRef idx="0">
-            <a:schemeClr val="accent1"/>
-          </a:effectRef>
-          <a:fontRef idx="minor">
-            <a:schemeClr val="tx1"/>
-          </a:fontRef>
-        </p:style>
-      </p:cxnSp>
-      <p:cxnSp>
-        <p:nvCxnSpPr>
-          <p:cNvPr id="71" name="Rak pilkoppling 70">
-            <a:extLst>
-              <a:ext uri="{FF2B5EF4-FFF2-40B4-BE49-F238E27FC236}">
-                <a16:creationId xmlns:a16="http://schemas.microsoft.com/office/drawing/2014/main" id="{456B5E68-6AC4-4127-BE5E-E048D2868823}"/>
-              </a:ext>
-            </a:extLst>
-          </p:cNvPr>
-          <p:cNvCxnSpPr>
-            <a:endCxn id="66" idx="1"/>
-          </p:cNvCxnSpPr>
-          <p:nvPr/>
-        </p:nvCxnSpPr>
-        <p:spPr>
-          <a:xfrm>
-            <a:off x="7872701" y="2133097"/>
-            <a:ext cx="706636" cy="995844"/>
-          </a:xfrm>
-          <a:prstGeom prst="straightConnector1">
-            <a:avLst/>
-          </a:prstGeom>
-          <a:ln>
-            <a:tailEnd type="triangle"/>
-          </a:ln>
-        </p:spPr>
-        <p:style>
-          <a:lnRef idx="1">
-            <a:schemeClr val="accent1"/>
-          </a:lnRef>
-          <a:fillRef idx="0">
-            <a:schemeClr val="accent1"/>
-          </a:fillRef>
-          <a:effectRef idx="0">
-            <a:schemeClr val="accent1"/>
-          </a:effectRef>
-          <a:fontRef idx="minor">
-            <a:schemeClr val="tx1"/>
-          </a:fontRef>
-        </p:style>
-      </p:cxnSp>
-      <p:sp>
-        <p:nvSpPr>
-          <p:cNvPr id="73" name="Pil: höger 72">
-            <a:extLst>
-              <a:ext uri="{FF2B5EF4-FFF2-40B4-BE49-F238E27FC236}">
-                <a16:creationId xmlns:a16="http://schemas.microsoft.com/office/drawing/2014/main" id="{AA1196E8-4324-468A-B887-F3B0D9AE2787}"/>
-              </a:ext>
-            </a:extLst>
-          </p:cNvPr>
-          <p:cNvSpPr/>
-          <p:nvPr/>
-        </p:nvSpPr>
-        <p:spPr>
-          <a:xfrm>
-            <a:off x="9220858" y="1950199"/>
-            <a:ext cx="609600" cy="323850"/>
-          </a:xfrm>
-          <a:prstGeom prst="rightArrow">
-            <a:avLst/>
-          </a:prstGeom>
-        </p:spPr>
-        <p:style>
-          <a:lnRef idx="2">
-            <a:schemeClr val="accent1">
-              <a:shade val="50000"/>
-            </a:schemeClr>
-          </a:lnRef>
-          <a:fillRef idx="1">
-            <a:schemeClr val="accent1"/>
-          </a:fillRef>
-          <a:effectRef idx="0">
-            <a:schemeClr val="accent1"/>
-          </a:effectRef>
-          <a:fontRef idx="minor">
-            <a:schemeClr val="lt1"/>
-          </a:fontRef>
-        </p:style>
         <p:txBody>
           <a:bodyPr rtlCol="0" anchor="ctr"/>
           <a:lstStyle/>
           <a:p>
             <a:pPr algn="ctr"/>
             <a:endParaRPr lang="sv-SE"/>
-          </a:p>
-        </p:txBody>
-      </p:sp>
-      <p:sp>
-        <p:nvSpPr>
-          <p:cNvPr id="74" name="Cylinder 73">
-            <a:extLst>
-              <a:ext uri="{FF2B5EF4-FFF2-40B4-BE49-F238E27FC236}">
-                <a16:creationId xmlns:a16="http://schemas.microsoft.com/office/drawing/2014/main" id="{3203D3B8-92C3-4E54-A09B-05F6BC71B04F}"/>
-              </a:ext>
-            </a:extLst>
-          </p:cNvPr>
-          <p:cNvSpPr/>
-          <p:nvPr/>
-        </p:nvSpPr>
-        <p:spPr>
-          <a:xfrm>
-            <a:off x="10029067" y="1714322"/>
-            <a:ext cx="839310" cy="819150"/>
-          </a:xfrm>
-          <a:prstGeom prst="can">
-            <a:avLst/>
-          </a:prstGeom>
-        </p:spPr>
-        <p:style>
-          <a:lnRef idx="2">
-            <a:schemeClr val="accent1">
-              <a:shade val="50000"/>
-            </a:schemeClr>
-          </a:lnRef>
-          <a:fillRef idx="1">
-            <a:schemeClr val="accent1"/>
-          </a:fillRef>
-          <a:effectRef idx="0">
-            <a:schemeClr val="accent1"/>
-          </a:effectRef>
-          <a:fontRef idx="minor">
-            <a:schemeClr val="lt1"/>
-          </a:fontRef>
-        </p:style>
-        <p:txBody>
-          <a:bodyPr rtlCol="0" anchor="ctr"/>
-          <a:lstStyle/>
-          <a:p>
-            <a:pPr algn="ctr"/>
-            <a:endParaRPr lang="sv-SE"/>
-          </a:p>
-        </p:txBody>
-      </p:sp>
-      <p:sp>
-        <p:nvSpPr>
-          <p:cNvPr id="75" name="textruta 74">
-            <a:extLst>
-              <a:ext uri="{FF2B5EF4-FFF2-40B4-BE49-F238E27FC236}">
-                <a16:creationId xmlns:a16="http://schemas.microsoft.com/office/drawing/2014/main" id="{4CE23AE1-131A-4AD6-A9F4-7E23D2D57B6C}"/>
-              </a:ext>
-            </a:extLst>
-          </p:cNvPr>
-          <p:cNvSpPr txBox="1"/>
-          <p:nvPr/>
-        </p:nvSpPr>
-        <p:spPr>
-          <a:xfrm rot="2700000">
-            <a:off x="3618719" y="3388811"/>
-            <a:ext cx="984693" cy="307777"/>
-          </a:xfrm>
-          <a:prstGeom prst="rect">
-            <a:avLst/>
-          </a:prstGeom>
-          <a:noFill/>
-        </p:spPr>
-        <p:txBody>
-          <a:bodyPr wrap="none" rtlCol="0">
-            <a:spAutoFit/>
-          </a:bodyPr>
-          <a:lstStyle/>
-          <a:p>
-            <a:r>
-              <a:rPr lang="en-US" sz="1400" dirty="0"/>
-              <a:t>commands</a:t>
-            </a:r>
-            <a:endParaRPr lang="sv-SE" sz="1400" dirty="0"/>
-          </a:p>
-        </p:txBody>
-      </p:sp>
-      <p:sp>
-        <p:nvSpPr>
-          <p:cNvPr id="76" name="textruta 75">
-            <a:extLst>
-              <a:ext uri="{FF2B5EF4-FFF2-40B4-BE49-F238E27FC236}">
-                <a16:creationId xmlns:a16="http://schemas.microsoft.com/office/drawing/2014/main" id="{F0BA5E78-5E4B-4D96-AEEF-616E98F3DB5C}"/>
-              </a:ext>
-            </a:extLst>
-          </p:cNvPr>
-          <p:cNvSpPr txBox="1"/>
-          <p:nvPr/>
-        </p:nvSpPr>
-        <p:spPr>
-          <a:xfrm rot="2700000">
-            <a:off x="4149297" y="2850350"/>
-            <a:ext cx="1485150" cy="307777"/>
-          </a:xfrm>
-          <a:prstGeom prst="rect">
-            <a:avLst/>
-          </a:prstGeom>
-          <a:noFill/>
-        </p:spPr>
-        <p:txBody>
-          <a:bodyPr wrap="none" rtlCol="0">
-            <a:spAutoFit/>
-          </a:bodyPr>
-          <a:lstStyle/>
-          <a:p>
-            <a:r>
-              <a:rPr lang="en-US" sz="1400" dirty="0"/>
-              <a:t>command routing</a:t>
-            </a:r>
-            <a:endParaRPr lang="sv-SE" sz="1400" dirty="0"/>
-          </a:p>
-        </p:txBody>
-      </p:sp>
-      <p:sp>
-        <p:nvSpPr>
-          <p:cNvPr id="77" name="textruta 76">
-            <a:extLst>
-              <a:ext uri="{FF2B5EF4-FFF2-40B4-BE49-F238E27FC236}">
-                <a16:creationId xmlns:a16="http://schemas.microsoft.com/office/drawing/2014/main" id="{0A42A25F-08AE-4E86-810D-60E5F5FD78CF}"/>
-              </a:ext>
-            </a:extLst>
-          </p:cNvPr>
-          <p:cNvSpPr txBox="1"/>
-          <p:nvPr/>
-        </p:nvSpPr>
-        <p:spPr>
-          <a:xfrm rot="2700000">
-            <a:off x="5467407" y="3845768"/>
-            <a:ext cx="1585947" cy="307777"/>
-          </a:xfrm>
-          <a:prstGeom prst="rect">
-            <a:avLst/>
-          </a:prstGeom>
-          <a:noFill/>
-        </p:spPr>
-        <p:txBody>
-          <a:bodyPr wrap="none" rtlCol="0">
-            <a:spAutoFit/>
-          </a:bodyPr>
-          <a:lstStyle/>
-          <a:p>
-            <a:r>
-              <a:rPr lang="en-US" sz="1400" dirty="0"/>
-              <a:t>command handlers</a:t>
-            </a:r>
-            <a:endParaRPr lang="sv-SE" sz="1400" dirty="0"/>
-          </a:p>
-        </p:txBody>
-      </p:sp>
-      <p:sp>
-        <p:nvSpPr>
-          <p:cNvPr id="78" name="textruta 77">
-            <a:extLst>
-              <a:ext uri="{FF2B5EF4-FFF2-40B4-BE49-F238E27FC236}">
-                <a16:creationId xmlns:a16="http://schemas.microsoft.com/office/drawing/2014/main" id="{97BA57E4-064A-47A6-9BF9-687930617F16}"/>
-              </a:ext>
-            </a:extLst>
-          </p:cNvPr>
-          <p:cNvSpPr txBox="1"/>
-          <p:nvPr/>
-        </p:nvSpPr>
-        <p:spPr>
-          <a:xfrm rot="2700000">
-            <a:off x="6576715" y="3286554"/>
-            <a:ext cx="667683" cy="307777"/>
-          </a:xfrm>
-          <a:prstGeom prst="rect">
-            <a:avLst/>
-          </a:prstGeom>
-          <a:noFill/>
-        </p:spPr>
-        <p:txBody>
-          <a:bodyPr wrap="none" rtlCol="0">
-            <a:spAutoFit/>
-          </a:bodyPr>
-          <a:lstStyle/>
-          <a:p>
-            <a:r>
-              <a:rPr lang="en-US" sz="1400" dirty="0"/>
-              <a:t>events</a:t>
-            </a:r>
-            <a:endParaRPr lang="sv-SE" sz="1400" dirty="0"/>
-          </a:p>
-        </p:txBody>
-      </p:sp>
-      <p:sp>
-        <p:nvSpPr>
-          <p:cNvPr id="79" name="textruta 78">
-            <a:extLst>
-              <a:ext uri="{FF2B5EF4-FFF2-40B4-BE49-F238E27FC236}">
-                <a16:creationId xmlns:a16="http://schemas.microsoft.com/office/drawing/2014/main" id="{EDBABEC4-B976-48F3-9156-DE6B745FA145}"/>
-              </a:ext>
-            </a:extLst>
-          </p:cNvPr>
-          <p:cNvSpPr txBox="1"/>
-          <p:nvPr/>
-        </p:nvSpPr>
-        <p:spPr>
-          <a:xfrm rot="2700000">
-            <a:off x="7109832" y="2703733"/>
-            <a:ext cx="1168140" cy="307777"/>
-          </a:xfrm>
-          <a:prstGeom prst="rect">
-            <a:avLst/>
-          </a:prstGeom>
-          <a:noFill/>
-        </p:spPr>
-        <p:txBody>
-          <a:bodyPr wrap="none" rtlCol="0">
-            <a:spAutoFit/>
-          </a:bodyPr>
-          <a:lstStyle/>
-          <a:p>
-            <a:r>
-              <a:rPr lang="en-US" sz="1400" dirty="0"/>
-              <a:t>event routing</a:t>
-            </a:r>
-            <a:endParaRPr lang="sv-SE" sz="1400" dirty="0"/>
-          </a:p>
-        </p:txBody>
-      </p:sp>
-      <p:sp>
-        <p:nvSpPr>
-          <p:cNvPr id="80" name="textruta 79">
-            <a:extLst>
-              <a:ext uri="{FF2B5EF4-FFF2-40B4-BE49-F238E27FC236}">
-                <a16:creationId xmlns:a16="http://schemas.microsoft.com/office/drawing/2014/main" id="{A0053FED-60A4-4261-B937-E0E6E566A1F4}"/>
-              </a:ext>
-            </a:extLst>
-          </p:cNvPr>
-          <p:cNvSpPr txBox="1"/>
-          <p:nvPr/>
-        </p:nvSpPr>
-        <p:spPr>
-          <a:xfrm rot="2700000">
-            <a:off x="8387780" y="3748763"/>
-            <a:ext cx="1268937" cy="307777"/>
-          </a:xfrm>
-          <a:prstGeom prst="rect">
-            <a:avLst/>
-          </a:prstGeom>
-          <a:noFill/>
-        </p:spPr>
-        <p:txBody>
-          <a:bodyPr wrap="none" rtlCol="0">
-            <a:spAutoFit/>
-          </a:bodyPr>
-          <a:lstStyle/>
-          <a:p>
-            <a:r>
-              <a:rPr lang="en-US" sz="1400" dirty="0"/>
-              <a:t>event handlers</a:t>
-            </a:r>
-            <a:endParaRPr lang="sv-SE" sz="1400" dirty="0"/>
-          </a:p>
-        </p:txBody>
-      </p:sp>
-      <p:sp>
-        <p:nvSpPr>
-          <p:cNvPr id="81" name="textruta 80">
-            <a:extLst>
-              <a:ext uri="{FF2B5EF4-FFF2-40B4-BE49-F238E27FC236}">
-                <a16:creationId xmlns:a16="http://schemas.microsoft.com/office/drawing/2014/main" id="{146B3C67-3BBA-4B74-9073-5BFB3E647C2D}"/>
-              </a:ext>
-            </a:extLst>
-          </p:cNvPr>
-          <p:cNvSpPr txBox="1"/>
-          <p:nvPr/>
-        </p:nvSpPr>
-        <p:spPr>
-          <a:xfrm rot="2700000">
-            <a:off x="10085898" y="2703731"/>
-            <a:ext cx="725648" cy="307777"/>
-          </a:xfrm>
-          <a:prstGeom prst="rect">
-            <a:avLst/>
-          </a:prstGeom>
-          <a:noFill/>
-        </p:spPr>
-        <p:txBody>
-          <a:bodyPr wrap="none" rtlCol="0">
-            <a:spAutoFit/>
-          </a:bodyPr>
-          <a:lstStyle/>
-          <a:p>
-            <a:r>
-              <a:rPr lang="en-US" sz="1400" dirty="0"/>
-              <a:t>storage</a:t>
-            </a:r>
-            <a:endParaRPr lang="sv-SE" sz="1400" dirty="0"/>
           </a:p>
         </p:txBody>
       </p:sp>

--- a/demystify-cqrs/demystify_cqrs.pptx
+++ b/demystify-cqrs/demystify_cqrs.pptx
@@ -6,6 +6,7 @@
   </p:sldMasterIdLst>
   <p:sldIdLst>
     <p:sldId id="256" r:id="rId2"/>
+    <p:sldId id="257" r:id="rId3"/>
   </p:sldIdLst>
   <p:sldSz cx="12192000" cy="6858000"/>
   <p:notesSz cx="6858000" cy="9144000"/>
@@ -5304,6 +5305,347 @@
 </p:sld>
 </file>
 
+<file path=ppt/slides/slide2.xml><?xml version="1.0" encoding="utf-8"?>
+<p:sld xmlns:a="http://schemas.openxmlformats.org/drawingml/2006/main" xmlns:r="http://schemas.openxmlformats.org/officeDocument/2006/relationships" xmlns:p="http://schemas.openxmlformats.org/presentationml/2006/main">
+  <p:cSld>
+    <p:spTree>
+      <p:nvGrpSpPr>
+        <p:cNvPr id="1" name=""/>
+        <p:cNvGrpSpPr/>
+        <p:nvPr/>
+      </p:nvGrpSpPr>
+      <p:grpSpPr>
+        <a:xfrm>
+          <a:off x="0" y="0"/>
+          <a:ext cx="0" cy="0"/>
+          <a:chOff x="0" y="0"/>
+          <a:chExt cx="0" cy="0"/>
+        </a:xfrm>
+      </p:grpSpPr>
+      <p:sp>
+        <p:nvSpPr>
+          <p:cNvPr id="4" name="textruta 3">
+            <a:extLst>
+              <a:ext uri="{FF2B5EF4-FFF2-40B4-BE49-F238E27FC236}">
+                <a16:creationId xmlns:a16="http://schemas.microsoft.com/office/drawing/2014/main" id="{31B184C0-25FE-4E26-A249-AE081BFB7DAF}"/>
+              </a:ext>
+            </a:extLst>
+          </p:cNvPr>
+          <p:cNvSpPr txBox="1"/>
+          <p:nvPr/>
+        </p:nvSpPr>
+        <p:spPr>
+          <a:xfrm>
+            <a:off x="350516" y="2516684"/>
+            <a:ext cx="6155852" cy="1754326"/>
+          </a:xfrm>
+          <a:prstGeom prst="rect">
+            <a:avLst/>
+          </a:prstGeom>
+          <a:noFill/>
+        </p:spPr>
+        <p:txBody>
+          <a:bodyPr wrap="none" rtlCol="0">
+            <a:spAutoFit/>
+          </a:bodyPr>
+          <a:lstStyle/>
+          <a:p>
+            <a:r>
+              <a:rPr lang="en-US" sz="3600" dirty="0">
+                <a:solidFill>
+                  <a:srgbClr val="FF0000"/>
+                </a:solidFill>
+                <a:latin typeface="Aharoni" panose="020B0604020202020204" pitchFamily="2" charset="-79"/>
+                <a:cs typeface="Aharoni" panose="020B0604020202020204" pitchFamily="2" charset="-79"/>
+              </a:rPr>
+              <a:t>C</a:t>
+            </a:r>
+            <a:r>
+              <a:rPr lang="en-US" sz="3600" dirty="0">
+                <a:latin typeface="Aharoni" panose="020B0604020202020204" pitchFamily="2" charset="-79"/>
+                <a:cs typeface="Aharoni" panose="020B0604020202020204" pitchFamily="2" charset="-79"/>
+              </a:rPr>
+              <a:t>reate           </a:t>
+            </a:r>
+            <a:r>
+              <a:rPr lang="en-US" sz="3600" dirty="0">
+                <a:solidFill>
+                  <a:srgbClr val="FF0000"/>
+                </a:solidFill>
+                <a:latin typeface="Aharoni" panose="020B0604020202020204" pitchFamily="2" charset="-79"/>
+                <a:cs typeface="Aharoni" panose="020B0604020202020204" pitchFamily="2" charset="-79"/>
+              </a:rPr>
+              <a:t>U</a:t>
+            </a:r>
+            <a:r>
+              <a:rPr lang="en-US" sz="3600" dirty="0">
+                <a:latin typeface="Aharoni" panose="020B0604020202020204" pitchFamily="2" charset="-79"/>
+                <a:cs typeface="Aharoni" panose="020B0604020202020204" pitchFamily="2" charset="-79"/>
+              </a:rPr>
+              <a:t>pdate </a:t>
+            </a:r>
+            <a:r>
+              <a:rPr lang="en-US" sz="3600" dirty="0">
+                <a:solidFill>
+                  <a:srgbClr val="FF0000"/>
+                </a:solidFill>
+                <a:latin typeface="Aharoni" panose="020B0604020202020204" pitchFamily="2" charset="-79"/>
+                <a:cs typeface="Aharoni" panose="020B0604020202020204" pitchFamily="2" charset="-79"/>
+              </a:rPr>
+              <a:t>D</a:t>
+            </a:r>
+            <a:r>
+              <a:rPr lang="en-US" sz="3600" dirty="0">
+                <a:latin typeface="Aharoni" panose="020B0604020202020204" pitchFamily="2" charset="-79"/>
+                <a:cs typeface="Aharoni" panose="020B0604020202020204" pitchFamily="2" charset="-79"/>
+              </a:rPr>
+              <a:t>elete</a:t>
+            </a:r>
+          </a:p>
+          <a:p>
+            <a:endParaRPr lang="en-US" sz="3600" dirty="0">
+              <a:latin typeface="Aharoni" panose="020B0604020202020204" pitchFamily="2" charset="-79"/>
+              <a:cs typeface="Aharoni" panose="020B0604020202020204" pitchFamily="2" charset="-79"/>
+            </a:endParaRPr>
+          </a:p>
+          <a:p>
+            <a:r>
+              <a:rPr lang="en-US" sz="3600" dirty="0">
+                <a:solidFill>
+                  <a:srgbClr val="00B050"/>
+                </a:solidFill>
+                <a:latin typeface="Aharoni" panose="020B0604020202020204" pitchFamily="2" charset="-79"/>
+                <a:cs typeface="Aharoni" panose="020B0604020202020204" pitchFamily="2" charset="-79"/>
+              </a:rPr>
+              <a:t>	     R</a:t>
+            </a:r>
+            <a:r>
+              <a:rPr lang="en-US" sz="3600" dirty="0">
+                <a:latin typeface="Aharoni" panose="020B0604020202020204" pitchFamily="2" charset="-79"/>
+                <a:cs typeface="Aharoni" panose="020B0604020202020204" pitchFamily="2" charset="-79"/>
+              </a:rPr>
+              <a:t>ead</a:t>
+            </a:r>
+          </a:p>
+        </p:txBody>
+      </p:sp>
+      <p:sp>
+        <p:nvSpPr>
+          <p:cNvPr id="5" name="textruta 4">
+            <a:extLst>
+              <a:ext uri="{FF2B5EF4-FFF2-40B4-BE49-F238E27FC236}">
+                <a16:creationId xmlns:a16="http://schemas.microsoft.com/office/drawing/2014/main" id="{9CADA1F8-BC1F-449B-96CA-9AAD63170B86}"/>
+              </a:ext>
+            </a:extLst>
+          </p:cNvPr>
+          <p:cNvSpPr txBox="1"/>
+          <p:nvPr/>
+        </p:nvSpPr>
+        <p:spPr>
+          <a:xfrm>
+            <a:off x="7488903" y="2516684"/>
+            <a:ext cx="3889206" cy="646331"/>
+          </a:xfrm>
+          <a:prstGeom prst="rect">
+            <a:avLst/>
+          </a:prstGeom>
+          <a:noFill/>
+        </p:spPr>
+        <p:txBody>
+          <a:bodyPr wrap="none" rtlCol="0">
+            <a:spAutoFit/>
+          </a:bodyPr>
+          <a:lstStyle>
+            <a:defPPr>
+              <a:defRPr lang="sv-SE"/>
+            </a:defPPr>
+            <a:lvl1pPr>
+              <a:defRPr sz="3600">
+                <a:solidFill>
+                  <a:srgbClr val="FF0000"/>
+                </a:solidFill>
+                <a:latin typeface="Aharoni" panose="020B0604020202020204" pitchFamily="2" charset="-79"/>
+                <a:cs typeface="Aharoni" panose="020B0604020202020204" pitchFamily="2" charset="-79"/>
+              </a:defRPr>
+            </a:lvl1pPr>
+          </a:lstStyle>
+          <a:p>
+            <a:r>
+              <a:rPr lang="en-US" dirty="0"/>
+              <a:t>Command model</a:t>
+            </a:r>
+            <a:endParaRPr lang="sv-SE" dirty="0"/>
+          </a:p>
+        </p:txBody>
+      </p:sp>
+      <p:sp>
+        <p:nvSpPr>
+          <p:cNvPr id="9" name="textruta 8">
+            <a:extLst>
+              <a:ext uri="{FF2B5EF4-FFF2-40B4-BE49-F238E27FC236}">
+                <a16:creationId xmlns:a16="http://schemas.microsoft.com/office/drawing/2014/main" id="{DE8940BF-CB4A-4645-BA58-F8BBD003158D}"/>
+              </a:ext>
+            </a:extLst>
+          </p:cNvPr>
+          <p:cNvSpPr txBox="1"/>
+          <p:nvPr/>
+        </p:nvSpPr>
+        <p:spPr>
+          <a:xfrm>
+            <a:off x="7488903" y="3619886"/>
+            <a:ext cx="3063659" cy="646331"/>
+          </a:xfrm>
+          <a:prstGeom prst="rect">
+            <a:avLst/>
+          </a:prstGeom>
+          <a:noFill/>
+        </p:spPr>
+        <p:txBody>
+          <a:bodyPr wrap="none" rtlCol="0">
+            <a:spAutoFit/>
+          </a:bodyPr>
+          <a:lstStyle>
+            <a:defPPr>
+              <a:defRPr lang="sv-SE"/>
+            </a:defPPr>
+            <a:lvl1pPr>
+              <a:defRPr sz="3600">
+                <a:solidFill>
+                  <a:srgbClr val="FF0000"/>
+                </a:solidFill>
+                <a:latin typeface="Aharoni" panose="020B0604020202020204" pitchFamily="2" charset="-79"/>
+                <a:cs typeface="Aharoni" panose="020B0604020202020204" pitchFamily="2" charset="-79"/>
+              </a:defRPr>
+            </a:lvl1pPr>
+          </a:lstStyle>
+          <a:p>
+            <a:r>
+              <a:rPr lang="en-US" dirty="0">
+                <a:solidFill>
+                  <a:srgbClr val="00B050"/>
+                </a:solidFill>
+              </a:rPr>
+              <a:t>Query model</a:t>
+            </a:r>
+            <a:endParaRPr lang="sv-SE" dirty="0">
+              <a:solidFill>
+                <a:srgbClr val="00B050"/>
+              </a:solidFill>
+            </a:endParaRPr>
+          </a:p>
+        </p:txBody>
+      </p:sp>
+      <p:sp>
+        <p:nvSpPr>
+          <p:cNvPr id="12" name="Pil: höger 11">
+            <a:extLst>
+              <a:ext uri="{FF2B5EF4-FFF2-40B4-BE49-F238E27FC236}">
+                <a16:creationId xmlns:a16="http://schemas.microsoft.com/office/drawing/2014/main" id="{D1D346EE-56DD-4761-AFBE-D473B9FE26F4}"/>
+              </a:ext>
+            </a:extLst>
+          </p:cNvPr>
+          <p:cNvSpPr/>
+          <p:nvPr/>
+        </p:nvSpPr>
+        <p:spPr>
+          <a:xfrm>
+            <a:off x="3235260" y="3785890"/>
+            <a:ext cx="4072668" cy="314325"/>
+          </a:xfrm>
+          <a:prstGeom prst="rightArrow">
+            <a:avLst/>
+          </a:prstGeom>
+          <a:solidFill>
+            <a:srgbClr val="00B050"/>
+          </a:solidFill>
+        </p:spPr>
+        <p:style>
+          <a:lnRef idx="2">
+            <a:schemeClr val="accent1">
+              <a:shade val="50000"/>
+            </a:schemeClr>
+          </a:lnRef>
+          <a:fillRef idx="1">
+            <a:schemeClr val="accent1"/>
+          </a:fillRef>
+          <a:effectRef idx="0">
+            <a:schemeClr val="accent1"/>
+          </a:effectRef>
+          <a:fontRef idx="minor">
+            <a:schemeClr val="lt1"/>
+          </a:fontRef>
+        </p:style>
+        <p:txBody>
+          <a:bodyPr rtlCol="0" anchor="ctr"/>
+          <a:lstStyle/>
+          <a:p>
+            <a:pPr algn="ctr"/>
+            <a:endParaRPr lang="sv-SE"/>
+          </a:p>
+        </p:txBody>
+      </p:sp>
+      <p:sp>
+        <p:nvSpPr>
+          <p:cNvPr id="13" name="Pil: höger 12">
+            <a:extLst>
+              <a:ext uri="{FF2B5EF4-FFF2-40B4-BE49-F238E27FC236}">
+                <a16:creationId xmlns:a16="http://schemas.microsoft.com/office/drawing/2014/main" id="{F2E8A368-B40C-4AE0-9AAE-EEB1BFCF55DA}"/>
+              </a:ext>
+            </a:extLst>
+          </p:cNvPr>
+          <p:cNvSpPr/>
+          <p:nvPr/>
+        </p:nvSpPr>
+        <p:spPr>
+          <a:xfrm>
+            <a:off x="6506368" y="2691437"/>
+            <a:ext cx="801560" cy="314325"/>
+          </a:xfrm>
+          <a:prstGeom prst="rightArrow">
+            <a:avLst/>
+          </a:prstGeom>
+          <a:solidFill>
+            <a:srgbClr val="FF0000"/>
+          </a:solidFill>
+        </p:spPr>
+        <p:style>
+          <a:lnRef idx="2">
+            <a:schemeClr val="accent1">
+              <a:shade val="50000"/>
+            </a:schemeClr>
+          </a:lnRef>
+          <a:fillRef idx="1">
+            <a:schemeClr val="accent1"/>
+          </a:fillRef>
+          <a:effectRef idx="0">
+            <a:schemeClr val="accent1"/>
+          </a:effectRef>
+          <a:fontRef idx="minor">
+            <a:schemeClr val="lt1"/>
+          </a:fontRef>
+        </p:style>
+        <p:txBody>
+          <a:bodyPr rtlCol="0" anchor="ctr"/>
+          <a:lstStyle/>
+          <a:p>
+            <a:pPr algn="ctr"/>
+            <a:endParaRPr lang="sv-SE"/>
+          </a:p>
+        </p:txBody>
+      </p:sp>
+    </p:spTree>
+    <p:extLst>
+      <p:ext uri="{BB962C8B-B14F-4D97-AF65-F5344CB8AC3E}">
+        <p14:creationId xmlns:p14="http://schemas.microsoft.com/office/powerpoint/2010/main" val="2440349448"/>
+      </p:ext>
+    </p:extLst>
+  </p:cSld>
+  <p:clrMapOvr>
+    <a:masterClrMapping/>
+  </p:clrMapOvr>
+</p:sld>
+</file>
+
 <file path=ppt/theme/theme1.xml><?xml version="1.0" encoding="utf-8"?>
 <a:theme xmlns:a="http://schemas.openxmlformats.org/drawingml/2006/main" name="Office-tema">
   <a:themeElements>

--- a/demystify-cqrs/demystify_cqrs.pptx
+++ b/demystify-cqrs/demystify_cqrs.pptx
@@ -5,8 +5,9 @@
     <p:sldMasterId id="2147483648" r:id="rId1"/>
   </p:sldMasterIdLst>
   <p:sldIdLst>
-    <p:sldId id="256" r:id="rId2"/>
-    <p:sldId id="257" r:id="rId3"/>
+    <p:sldId id="258" r:id="rId2"/>
+    <p:sldId id="256" r:id="rId3"/>
+    <p:sldId id="257" r:id="rId4"/>
   </p:sldIdLst>
   <p:sldSz cx="12192000" cy="6858000"/>
   <p:notesSz cx="6858000" cy="9144000"/>
@@ -3329,6 +3330,1418 @@
       </p:grpSpPr>
       <p:sp>
         <p:nvSpPr>
+          <p:cNvPr id="41" name="Rektangel 40">
+            <a:extLst>
+              <a:ext uri="{FF2B5EF4-FFF2-40B4-BE49-F238E27FC236}">
+                <a16:creationId xmlns:a16="http://schemas.microsoft.com/office/drawing/2014/main" id="{83DAD08C-8EE1-43C7-B903-B2EF81204304}"/>
+              </a:ext>
+            </a:extLst>
+          </p:cNvPr>
+          <p:cNvSpPr/>
+          <p:nvPr/>
+        </p:nvSpPr>
+        <p:spPr>
+          <a:xfrm>
+            <a:off x="3318236" y="990896"/>
+            <a:ext cx="6244864" cy="4733923"/>
+          </a:xfrm>
+          <a:prstGeom prst="rect">
+            <a:avLst/>
+          </a:prstGeom>
+          <a:solidFill>
+            <a:schemeClr val="bg2"/>
+          </a:solidFill>
+        </p:spPr>
+        <p:style>
+          <a:lnRef idx="2">
+            <a:schemeClr val="accent1">
+              <a:shade val="50000"/>
+            </a:schemeClr>
+          </a:lnRef>
+          <a:fillRef idx="1">
+            <a:schemeClr val="accent1"/>
+          </a:fillRef>
+          <a:effectRef idx="0">
+            <a:schemeClr val="accent1"/>
+          </a:effectRef>
+          <a:fontRef idx="minor">
+            <a:schemeClr val="lt1"/>
+          </a:fontRef>
+        </p:style>
+        <p:txBody>
+          <a:bodyPr rtlCol="0" anchor="ctr"/>
+          <a:lstStyle/>
+          <a:p>
+            <a:pPr algn="ctr"/>
+            <a:endParaRPr lang="sv-SE"/>
+          </a:p>
+        </p:txBody>
+      </p:sp>
+      <p:sp>
+        <p:nvSpPr>
+          <p:cNvPr id="30" name="Rektangel: rundade hörn 29">
+            <a:extLst>
+              <a:ext uri="{FF2B5EF4-FFF2-40B4-BE49-F238E27FC236}">
+                <a16:creationId xmlns:a16="http://schemas.microsoft.com/office/drawing/2014/main" id="{A8D91178-74DD-4651-8C57-DD786EB1FD59}"/>
+              </a:ext>
+            </a:extLst>
+          </p:cNvPr>
+          <p:cNvSpPr/>
+          <p:nvPr/>
+        </p:nvSpPr>
+        <p:spPr>
+          <a:xfrm>
+            <a:off x="4599066" y="3817917"/>
+            <a:ext cx="2391386" cy="1238250"/>
+          </a:xfrm>
+          <a:prstGeom prst="roundRect">
+            <a:avLst/>
+          </a:prstGeom>
+          <a:solidFill>
+            <a:schemeClr val="accent6">
+              <a:lumMod val="60000"/>
+              <a:lumOff val="40000"/>
+            </a:schemeClr>
+          </a:solidFill>
+        </p:spPr>
+        <p:style>
+          <a:lnRef idx="2">
+            <a:schemeClr val="accent1">
+              <a:shade val="50000"/>
+            </a:schemeClr>
+          </a:lnRef>
+          <a:fillRef idx="1">
+            <a:schemeClr val="accent1"/>
+          </a:fillRef>
+          <a:effectRef idx="0">
+            <a:schemeClr val="accent1"/>
+          </a:effectRef>
+          <a:fontRef idx="minor">
+            <a:schemeClr val="lt1"/>
+          </a:fontRef>
+        </p:style>
+        <p:txBody>
+          <a:bodyPr rtlCol="0" anchor="ctr"/>
+          <a:lstStyle/>
+          <a:p>
+            <a:pPr algn="ctr"/>
+            <a:endParaRPr lang="sv-SE"/>
+          </a:p>
+        </p:txBody>
+      </p:sp>
+      <p:sp>
+        <p:nvSpPr>
+          <p:cNvPr id="26" name="Rektangel: rundade hörn 25">
+            <a:extLst>
+              <a:ext uri="{FF2B5EF4-FFF2-40B4-BE49-F238E27FC236}">
+                <a16:creationId xmlns:a16="http://schemas.microsoft.com/office/drawing/2014/main" id="{76E3BE62-95AB-4675-B477-DE558A84FE74}"/>
+              </a:ext>
+            </a:extLst>
+          </p:cNvPr>
+          <p:cNvSpPr/>
+          <p:nvPr/>
+        </p:nvSpPr>
+        <p:spPr>
+          <a:xfrm>
+            <a:off x="4599066" y="1663508"/>
+            <a:ext cx="2391386" cy="1238250"/>
+          </a:xfrm>
+          <a:prstGeom prst="roundRect">
+            <a:avLst/>
+          </a:prstGeom>
+          <a:solidFill>
+            <a:schemeClr val="accent1">
+              <a:lumMod val="40000"/>
+              <a:lumOff val="60000"/>
+            </a:schemeClr>
+          </a:solidFill>
+        </p:spPr>
+        <p:style>
+          <a:lnRef idx="2">
+            <a:schemeClr val="accent1">
+              <a:shade val="50000"/>
+            </a:schemeClr>
+          </a:lnRef>
+          <a:fillRef idx="1">
+            <a:schemeClr val="accent1"/>
+          </a:fillRef>
+          <a:effectRef idx="0">
+            <a:schemeClr val="accent1"/>
+          </a:effectRef>
+          <a:fontRef idx="minor">
+            <a:schemeClr val="lt1"/>
+          </a:fontRef>
+        </p:style>
+        <p:txBody>
+          <a:bodyPr rtlCol="0" anchor="ctr"/>
+          <a:lstStyle/>
+          <a:p>
+            <a:pPr algn="ctr"/>
+            <a:endParaRPr lang="sv-SE"/>
+          </a:p>
+        </p:txBody>
+      </p:sp>
+      <p:sp>
+        <p:nvSpPr>
+          <p:cNvPr id="4" name="Rektangel 3">
+            <a:extLst>
+              <a:ext uri="{FF2B5EF4-FFF2-40B4-BE49-F238E27FC236}">
+                <a16:creationId xmlns:a16="http://schemas.microsoft.com/office/drawing/2014/main" id="{A0588068-2A38-48B2-8F34-D82306D75181}"/>
+              </a:ext>
+            </a:extLst>
+          </p:cNvPr>
+          <p:cNvSpPr/>
+          <p:nvPr/>
+        </p:nvSpPr>
+        <p:spPr>
+          <a:xfrm>
+            <a:off x="3051906" y="1204876"/>
+            <a:ext cx="532660" cy="2155515"/>
+          </a:xfrm>
+          <a:prstGeom prst="rect">
+            <a:avLst/>
+          </a:prstGeom>
+          <a:solidFill>
+            <a:schemeClr val="accent1">
+              <a:lumMod val="75000"/>
+            </a:schemeClr>
+          </a:solidFill>
+        </p:spPr>
+        <p:style>
+          <a:lnRef idx="2">
+            <a:schemeClr val="accent1">
+              <a:shade val="50000"/>
+            </a:schemeClr>
+          </a:lnRef>
+          <a:fillRef idx="1">
+            <a:schemeClr val="accent1"/>
+          </a:fillRef>
+          <a:effectRef idx="0">
+            <a:schemeClr val="accent1"/>
+          </a:effectRef>
+          <a:fontRef idx="minor">
+            <a:schemeClr val="lt1"/>
+          </a:fontRef>
+        </p:style>
+        <p:txBody>
+          <a:bodyPr vert="wordArtVert" rtlCol="0" anchor="ctr"/>
+          <a:lstStyle/>
+          <a:p>
+            <a:pPr algn="ctr"/>
+            <a:r>
+              <a:rPr lang="en-US" dirty="0" err="1"/>
+              <a:t>WebAbi</a:t>
+            </a:r>
+            <a:endParaRPr lang="sv-SE" dirty="0"/>
+          </a:p>
+        </p:txBody>
+      </p:sp>
+      <p:cxnSp>
+        <p:nvCxnSpPr>
+          <p:cNvPr id="5" name="Rak pilkoppling 4">
+            <a:extLst>
+              <a:ext uri="{FF2B5EF4-FFF2-40B4-BE49-F238E27FC236}">
+                <a16:creationId xmlns:a16="http://schemas.microsoft.com/office/drawing/2014/main" id="{06C43D4A-2E04-4C7E-9DE6-34022073B998}"/>
+              </a:ext>
+            </a:extLst>
+          </p:cNvPr>
+          <p:cNvCxnSpPr/>
+          <p:nvPr/>
+        </p:nvCxnSpPr>
+        <p:spPr>
+          <a:xfrm>
+            <a:off x="2042256" y="1974034"/>
+            <a:ext cx="1009650" cy="0"/>
+          </a:xfrm>
+          <a:prstGeom prst="straightConnector1">
+            <a:avLst/>
+          </a:prstGeom>
+          <a:ln>
+            <a:tailEnd type="triangle"/>
+          </a:ln>
+        </p:spPr>
+        <p:style>
+          <a:lnRef idx="1">
+            <a:schemeClr val="accent1"/>
+          </a:lnRef>
+          <a:fillRef idx="0">
+            <a:schemeClr val="accent1"/>
+          </a:fillRef>
+          <a:effectRef idx="0">
+            <a:schemeClr val="accent1"/>
+          </a:effectRef>
+          <a:fontRef idx="minor">
+            <a:schemeClr val="tx1"/>
+          </a:fontRef>
+        </p:style>
+      </p:cxnSp>
+      <p:cxnSp>
+        <p:nvCxnSpPr>
+          <p:cNvPr id="6" name="Rak pilkoppling 5">
+            <a:extLst>
+              <a:ext uri="{FF2B5EF4-FFF2-40B4-BE49-F238E27FC236}">
+                <a16:creationId xmlns:a16="http://schemas.microsoft.com/office/drawing/2014/main" id="{FD3F6E19-9713-441D-B338-D5CEE48C6FBA}"/>
+              </a:ext>
+            </a:extLst>
+          </p:cNvPr>
+          <p:cNvCxnSpPr/>
+          <p:nvPr/>
+        </p:nvCxnSpPr>
+        <p:spPr>
+          <a:xfrm>
+            <a:off x="2042256" y="2283597"/>
+            <a:ext cx="1009650" cy="0"/>
+          </a:xfrm>
+          <a:prstGeom prst="straightConnector1">
+            <a:avLst/>
+          </a:prstGeom>
+          <a:ln>
+            <a:tailEnd type="triangle"/>
+          </a:ln>
+        </p:spPr>
+        <p:style>
+          <a:lnRef idx="1">
+            <a:schemeClr val="accent1"/>
+          </a:lnRef>
+          <a:fillRef idx="0">
+            <a:schemeClr val="accent1"/>
+          </a:fillRef>
+          <a:effectRef idx="0">
+            <a:schemeClr val="accent1"/>
+          </a:effectRef>
+          <a:fontRef idx="minor">
+            <a:schemeClr val="tx1"/>
+          </a:fontRef>
+        </p:style>
+      </p:cxnSp>
+      <p:cxnSp>
+        <p:nvCxnSpPr>
+          <p:cNvPr id="7" name="Rak pilkoppling 6">
+            <a:extLst>
+              <a:ext uri="{FF2B5EF4-FFF2-40B4-BE49-F238E27FC236}">
+                <a16:creationId xmlns:a16="http://schemas.microsoft.com/office/drawing/2014/main" id="{C693B3CA-DCAD-40DD-BF4F-65FC8D632883}"/>
+              </a:ext>
+            </a:extLst>
+          </p:cNvPr>
+          <p:cNvCxnSpPr/>
+          <p:nvPr/>
+        </p:nvCxnSpPr>
+        <p:spPr>
+          <a:xfrm>
+            <a:off x="2042256" y="2593160"/>
+            <a:ext cx="1009650" cy="0"/>
+          </a:xfrm>
+          <a:prstGeom prst="straightConnector1">
+            <a:avLst/>
+          </a:prstGeom>
+          <a:ln>
+            <a:tailEnd type="triangle"/>
+          </a:ln>
+        </p:spPr>
+        <p:style>
+          <a:lnRef idx="1">
+            <a:schemeClr val="accent1"/>
+          </a:lnRef>
+          <a:fillRef idx="0">
+            <a:schemeClr val="accent1"/>
+          </a:fillRef>
+          <a:effectRef idx="0">
+            <a:schemeClr val="accent1"/>
+          </a:effectRef>
+          <a:fontRef idx="minor">
+            <a:schemeClr val="tx1"/>
+          </a:fontRef>
+        </p:style>
+      </p:cxnSp>
+      <p:cxnSp>
+        <p:nvCxnSpPr>
+          <p:cNvPr id="8" name="Rak pilkoppling 7">
+            <a:extLst>
+              <a:ext uri="{FF2B5EF4-FFF2-40B4-BE49-F238E27FC236}">
+                <a16:creationId xmlns:a16="http://schemas.microsoft.com/office/drawing/2014/main" id="{296A7F5A-B2D9-4C25-8172-7AD60C2B9DDE}"/>
+              </a:ext>
+            </a:extLst>
+          </p:cNvPr>
+          <p:cNvCxnSpPr/>
+          <p:nvPr/>
+        </p:nvCxnSpPr>
+        <p:spPr>
+          <a:xfrm>
+            <a:off x="2042256" y="2902721"/>
+            <a:ext cx="1009650" cy="0"/>
+          </a:xfrm>
+          <a:prstGeom prst="straightConnector1">
+            <a:avLst/>
+          </a:prstGeom>
+          <a:ln>
+            <a:tailEnd type="triangle"/>
+          </a:ln>
+        </p:spPr>
+        <p:style>
+          <a:lnRef idx="1">
+            <a:schemeClr val="accent1"/>
+          </a:lnRef>
+          <a:fillRef idx="0">
+            <a:schemeClr val="accent1"/>
+          </a:fillRef>
+          <a:effectRef idx="0">
+            <a:schemeClr val="accent1"/>
+          </a:effectRef>
+          <a:fontRef idx="minor">
+            <a:schemeClr val="tx1"/>
+          </a:fontRef>
+        </p:style>
+      </p:cxnSp>
+      <p:cxnSp>
+        <p:nvCxnSpPr>
+          <p:cNvPr id="9" name="Rak pilkoppling 8">
+            <a:extLst>
+              <a:ext uri="{FF2B5EF4-FFF2-40B4-BE49-F238E27FC236}">
+                <a16:creationId xmlns:a16="http://schemas.microsoft.com/office/drawing/2014/main" id="{11804492-AC30-4F4E-8153-15ABEB4A60A8}"/>
+              </a:ext>
+            </a:extLst>
+          </p:cNvPr>
+          <p:cNvCxnSpPr/>
+          <p:nvPr/>
+        </p:nvCxnSpPr>
+        <p:spPr>
+          <a:xfrm>
+            <a:off x="2042256" y="1664471"/>
+            <a:ext cx="1009650" cy="0"/>
+          </a:xfrm>
+          <a:prstGeom prst="straightConnector1">
+            <a:avLst/>
+          </a:prstGeom>
+          <a:ln>
+            <a:tailEnd type="triangle"/>
+          </a:ln>
+        </p:spPr>
+        <p:style>
+          <a:lnRef idx="1">
+            <a:schemeClr val="accent1"/>
+          </a:lnRef>
+          <a:fillRef idx="0">
+            <a:schemeClr val="accent1"/>
+          </a:fillRef>
+          <a:effectRef idx="0">
+            <a:schemeClr val="accent1"/>
+          </a:effectRef>
+          <a:fontRef idx="minor">
+            <a:schemeClr val="tx1"/>
+          </a:fontRef>
+        </p:style>
+      </p:cxnSp>
+      <p:sp>
+        <p:nvSpPr>
+          <p:cNvPr id="10" name="textruta 9">
+            <a:extLst>
+              <a:ext uri="{FF2B5EF4-FFF2-40B4-BE49-F238E27FC236}">
+                <a16:creationId xmlns:a16="http://schemas.microsoft.com/office/drawing/2014/main" id="{F34B2B28-9293-4F50-B135-0659F6D53882}"/>
+              </a:ext>
+            </a:extLst>
+          </p:cNvPr>
+          <p:cNvSpPr txBox="1"/>
+          <p:nvPr/>
+        </p:nvSpPr>
+        <p:spPr>
+          <a:xfrm>
+            <a:off x="1447928" y="1362671"/>
+            <a:ext cx="659476" cy="1839927"/>
+          </a:xfrm>
+          <a:prstGeom prst="rect">
+            <a:avLst/>
+          </a:prstGeom>
+          <a:noFill/>
+        </p:spPr>
+        <p:txBody>
+          <a:bodyPr vert="wordArtVert" wrap="none" rtlCol="0">
+            <a:spAutoFit/>
+          </a:bodyPr>
+          <a:lstStyle/>
+          <a:p>
+            <a:pPr algn="ctr"/>
+            <a:r>
+              <a:rPr lang="en-US" sz="1400" b="1" dirty="0"/>
+              <a:t>WRITE</a:t>
+            </a:r>
+          </a:p>
+          <a:p>
+            <a:r>
+              <a:rPr lang="en-US" sz="1200" dirty="0"/>
+              <a:t>REQUESTS</a:t>
+            </a:r>
+            <a:endParaRPr lang="sv-SE" sz="1200" dirty="0"/>
+          </a:p>
+        </p:txBody>
+      </p:sp>
+      <p:sp>
+        <p:nvSpPr>
+          <p:cNvPr id="11" name="Rektangel 10">
+            <a:extLst>
+              <a:ext uri="{FF2B5EF4-FFF2-40B4-BE49-F238E27FC236}">
+                <a16:creationId xmlns:a16="http://schemas.microsoft.com/office/drawing/2014/main" id="{534D9FA2-DCEC-4F2A-AEF3-1B098B285FFE}"/>
+              </a:ext>
+            </a:extLst>
+          </p:cNvPr>
+          <p:cNvSpPr/>
+          <p:nvPr/>
+        </p:nvSpPr>
+        <p:spPr>
+          <a:xfrm>
+            <a:off x="3051906" y="3360391"/>
+            <a:ext cx="532660" cy="2155515"/>
+          </a:xfrm>
+          <a:prstGeom prst="rect">
+            <a:avLst/>
+          </a:prstGeom>
+          <a:solidFill>
+            <a:schemeClr val="accent6"/>
+          </a:solidFill>
+        </p:spPr>
+        <p:style>
+          <a:lnRef idx="2">
+            <a:schemeClr val="accent1">
+              <a:shade val="50000"/>
+            </a:schemeClr>
+          </a:lnRef>
+          <a:fillRef idx="1">
+            <a:schemeClr val="accent1"/>
+          </a:fillRef>
+          <a:effectRef idx="0">
+            <a:schemeClr val="accent1"/>
+          </a:effectRef>
+          <a:fontRef idx="minor">
+            <a:schemeClr val="lt1"/>
+          </a:fontRef>
+        </p:style>
+        <p:txBody>
+          <a:bodyPr vert="wordArtVert" rtlCol="0" anchor="ctr"/>
+          <a:lstStyle/>
+          <a:p>
+            <a:pPr algn="ctr"/>
+            <a:r>
+              <a:rPr lang="en-US" dirty="0" err="1"/>
+              <a:t>WebAbi</a:t>
+            </a:r>
+            <a:endParaRPr lang="sv-SE" dirty="0"/>
+          </a:p>
+        </p:txBody>
+      </p:sp>
+      <p:cxnSp>
+        <p:nvCxnSpPr>
+          <p:cNvPr id="14" name="Rak pilkoppling 13">
+            <a:extLst>
+              <a:ext uri="{FF2B5EF4-FFF2-40B4-BE49-F238E27FC236}">
+                <a16:creationId xmlns:a16="http://schemas.microsoft.com/office/drawing/2014/main" id="{63DA9B11-FC1D-46B4-BF47-FB262A1E186C}"/>
+              </a:ext>
+            </a:extLst>
+          </p:cNvPr>
+          <p:cNvCxnSpPr/>
+          <p:nvPr/>
+        </p:nvCxnSpPr>
+        <p:spPr>
+          <a:xfrm>
+            <a:off x="2042256" y="4123521"/>
+            <a:ext cx="1009650" cy="0"/>
+          </a:xfrm>
+          <a:prstGeom prst="straightConnector1">
+            <a:avLst/>
+          </a:prstGeom>
+          <a:ln>
+            <a:tailEnd type="triangle"/>
+          </a:ln>
+        </p:spPr>
+        <p:style>
+          <a:lnRef idx="1">
+            <a:schemeClr val="accent1"/>
+          </a:lnRef>
+          <a:fillRef idx="0">
+            <a:schemeClr val="accent1"/>
+          </a:fillRef>
+          <a:effectRef idx="0">
+            <a:schemeClr val="accent1"/>
+          </a:effectRef>
+          <a:fontRef idx="minor">
+            <a:schemeClr val="tx1"/>
+          </a:fontRef>
+        </p:style>
+      </p:cxnSp>
+      <p:cxnSp>
+        <p:nvCxnSpPr>
+          <p:cNvPr id="15" name="Rak pilkoppling 14">
+            <a:extLst>
+              <a:ext uri="{FF2B5EF4-FFF2-40B4-BE49-F238E27FC236}">
+                <a16:creationId xmlns:a16="http://schemas.microsoft.com/office/drawing/2014/main" id="{36A6DB17-39DC-4F69-B5A8-50672D6A0E79}"/>
+              </a:ext>
+            </a:extLst>
+          </p:cNvPr>
+          <p:cNvCxnSpPr/>
+          <p:nvPr/>
+        </p:nvCxnSpPr>
+        <p:spPr>
+          <a:xfrm>
+            <a:off x="2042256" y="4433084"/>
+            <a:ext cx="1009650" cy="0"/>
+          </a:xfrm>
+          <a:prstGeom prst="straightConnector1">
+            <a:avLst/>
+          </a:prstGeom>
+          <a:ln>
+            <a:tailEnd type="triangle"/>
+          </a:ln>
+        </p:spPr>
+        <p:style>
+          <a:lnRef idx="1">
+            <a:schemeClr val="accent1"/>
+          </a:lnRef>
+          <a:fillRef idx="0">
+            <a:schemeClr val="accent1"/>
+          </a:fillRef>
+          <a:effectRef idx="0">
+            <a:schemeClr val="accent1"/>
+          </a:effectRef>
+          <a:fontRef idx="minor">
+            <a:schemeClr val="tx1"/>
+          </a:fontRef>
+        </p:style>
+      </p:cxnSp>
+      <p:cxnSp>
+        <p:nvCxnSpPr>
+          <p:cNvPr id="16" name="Rak pilkoppling 15">
+            <a:extLst>
+              <a:ext uri="{FF2B5EF4-FFF2-40B4-BE49-F238E27FC236}">
+                <a16:creationId xmlns:a16="http://schemas.microsoft.com/office/drawing/2014/main" id="{9D39AE38-5B8D-4BA8-958E-D96D6FFD8807}"/>
+              </a:ext>
+            </a:extLst>
+          </p:cNvPr>
+          <p:cNvCxnSpPr/>
+          <p:nvPr/>
+        </p:nvCxnSpPr>
+        <p:spPr>
+          <a:xfrm>
+            <a:off x="2042256" y="4742647"/>
+            <a:ext cx="1009650" cy="0"/>
+          </a:xfrm>
+          <a:prstGeom prst="straightConnector1">
+            <a:avLst/>
+          </a:prstGeom>
+          <a:ln>
+            <a:tailEnd type="triangle"/>
+          </a:ln>
+        </p:spPr>
+        <p:style>
+          <a:lnRef idx="1">
+            <a:schemeClr val="accent1"/>
+          </a:lnRef>
+          <a:fillRef idx="0">
+            <a:schemeClr val="accent1"/>
+          </a:fillRef>
+          <a:effectRef idx="0">
+            <a:schemeClr val="accent1"/>
+          </a:effectRef>
+          <a:fontRef idx="minor">
+            <a:schemeClr val="tx1"/>
+          </a:fontRef>
+        </p:style>
+      </p:cxnSp>
+      <p:cxnSp>
+        <p:nvCxnSpPr>
+          <p:cNvPr id="17" name="Rak pilkoppling 16">
+            <a:extLst>
+              <a:ext uri="{FF2B5EF4-FFF2-40B4-BE49-F238E27FC236}">
+                <a16:creationId xmlns:a16="http://schemas.microsoft.com/office/drawing/2014/main" id="{158B6A5E-14C0-447B-993E-E6C568DF0C6A}"/>
+              </a:ext>
+            </a:extLst>
+          </p:cNvPr>
+          <p:cNvCxnSpPr/>
+          <p:nvPr/>
+        </p:nvCxnSpPr>
+        <p:spPr>
+          <a:xfrm>
+            <a:off x="2042256" y="5052208"/>
+            <a:ext cx="1009650" cy="0"/>
+          </a:xfrm>
+          <a:prstGeom prst="straightConnector1">
+            <a:avLst/>
+          </a:prstGeom>
+          <a:ln>
+            <a:tailEnd type="triangle"/>
+          </a:ln>
+        </p:spPr>
+        <p:style>
+          <a:lnRef idx="1">
+            <a:schemeClr val="accent1"/>
+          </a:lnRef>
+          <a:fillRef idx="0">
+            <a:schemeClr val="accent1"/>
+          </a:fillRef>
+          <a:effectRef idx="0">
+            <a:schemeClr val="accent1"/>
+          </a:effectRef>
+          <a:fontRef idx="minor">
+            <a:schemeClr val="tx1"/>
+          </a:fontRef>
+        </p:style>
+      </p:cxnSp>
+      <p:cxnSp>
+        <p:nvCxnSpPr>
+          <p:cNvPr id="18" name="Rak pilkoppling 17">
+            <a:extLst>
+              <a:ext uri="{FF2B5EF4-FFF2-40B4-BE49-F238E27FC236}">
+                <a16:creationId xmlns:a16="http://schemas.microsoft.com/office/drawing/2014/main" id="{240CE0C8-4DEE-4FEA-9AB2-B206BA174C8A}"/>
+              </a:ext>
+            </a:extLst>
+          </p:cNvPr>
+          <p:cNvCxnSpPr/>
+          <p:nvPr/>
+        </p:nvCxnSpPr>
+        <p:spPr>
+          <a:xfrm>
+            <a:off x="2042256" y="3813958"/>
+            <a:ext cx="1009650" cy="0"/>
+          </a:xfrm>
+          <a:prstGeom prst="straightConnector1">
+            <a:avLst/>
+          </a:prstGeom>
+          <a:ln>
+            <a:tailEnd type="triangle"/>
+          </a:ln>
+        </p:spPr>
+        <p:style>
+          <a:lnRef idx="1">
+            <a:schemeClr val="accent1"/>
+          </a:lnRef>
+          <a:fillRef idx="0">
+            <a:schemeClr val="accent1"/>
+          </a:fillRef>
+          <a:effectRef idx="0">
+            <a:schemeClr val="accent1"/>
+          </a:effectRef>
+          <a:fontRef idx="minor">
+            <a:schemeClr val="tx1"/>
+          </a:fontRef>
+        </p:style>
+      </p:cxnSp>
+      <p:sp>
+        <p:nvSpPr>
+          <p:cNvPr id="19" name="textruta 18">
+            <a:extLst>
+              <a:ext uri="{FF2B5EF4-FFF2-40B4-BE49-F238E27FC236}">
+                <a16:creationId xmlns:a16="http://schemas.microsoft.com/office/drawing/2014/main" id="{DA0F6AD6-3739-407F-B1A1-CF853E84B485}"/>
+              </a:ext>
+            </a:extLst>
+          </p:cNvPr>
+          <p:cNvSpPr txBox="1"/>
+          <p:nvPr/>
+        </p:nvSpPr>
+        <p:spPr>
+          <a:xfrm>
+            <a:off x="1447928" y="3504398"/>
+            <a:ext cx="659476" cy="1839927"/>
+          </a:xfrm>
+          <a:prstGeom prst="rect">
+            <a:avLst/>
+          </a:prstGeom>
+          <a:noFill/>
+        </p:spPr>
+        <p:txBody>
+          <a:bodyPr vert="wordArtVert" wrap="none" rtlCol="0">
+            <a:spAutoFit/>
+          </a:bodyPr>
+          <a:lstStyle/>
+          <a:p>
+            <a:pPr algn="ctr"/>
+            <a:r>
+              <a:rPr lang="en-US" sz="1400" b="1" dirty="0"/>
+              <a:t>READ</a:t>
+            </a:r>
+          </a:p>
+          <a:p>
+            <a:r>
+              <a:rPr lang="en-US" sz="1200" dirty="0"/>
+              <a:t>REQUESTS</a:t>
+            </a:r>
+            <a:endParaRPr lang="sv-SE" sz="1200" dirty="0"/>
+          </a:p>
+        </p:txBody>
+      </p:sp>
+      <p:sp>
+        <p:nvSpPr>
+          <p:cNvPr id="20" name="Pil: höger 19">
+            <a:extLst>
+              <a:ext uri="{FF2B5EF4-FFF2-40B4-BE49-F238E27FC236}">
+                <a16:creationId xmlns:a16="http://schemas.microsoft.com/office/drawing/2014/main" id="{A66C0737-DF25-4D40-BEDE-BC2AB5D19FB7}"/>
+              </a:ext>
+            </a:extLst>
+          </p:cNvPr>
+          <p:cNvSpPr/>
+          <p:nvPr/>
+        </p:nvSpPr>
+        <p:spPr>
+          <a:xfrm>
+            <a:off x="3584566" y="2120709"/>
+            <a:ext cx="1528849" cy="323850"/>
+          </a:xfrm>
+          <a:prstGeom prst="rightArrow">
+            <a:avLst/>
+          </a:prstGeom>
+        </p:spPr>
+        <p:style>
+          <a:lnRef idx="2">
+            <a:schemeClr val="accent1">
+              <a:shade val="50000"/>
+            </a:schemeClr>
+          </a:lnRef>
+          <a:fillRef idx="1">
+            <a:schemeClr val="accent1"/>
+          </a:fillRef>
+          <a:effectRef idx="0">
+            <a:schemeClr val="accent1"/>
+          </a:effectRef>
+          <a:fontRef idx="minor">
+            <a:schemeClr val="lt1"/>
+          </a:fontRef>
+        </p:style>
+        <p:txBody>
+          <a:bodyPr rtlCol="0" anchor="ctr"/>
+          <a:lstStyle/>
+          <a:p>
+            <a:pPr algn="ctr"/>
+            <a:endParaRPr lang="sv-SE"/>
+          </a:p>
+        </p:txBody>
+      </p:sp>
+      <p:sp>
+        <p:nvSpPr>
+          <p:cNvPr id="21" name="textruta 20">
+            <a:extLst>
+              <a:ext uri="{FF2B5EF4-FFF2-40B4-BE49-F238E27FC236}">
+                <a16:creationId xmlns:a16="http://schemas.microsoft.com/office/drawing/2014/main" id="{2D405A57-D1CE-49D6-AEF3-B03FD240C736}"/>
+              </a:ext>
+            </a:extLst>
+          </p:cNvPr>
+          <p:cNvSpPr txBox="1"/>
+          <p:nvPr/>
+        </p:nvSpPr>
+        <p:spPr>
+          <a:xfrm>
+            <a:off x="3667376" y="1890676"/>
+            <a:ext cx="984693" cy="307777"/>
+          </a:xfrm>
+          <a:prstGeom prst="rect">
+            <a:avLst/>
+          </a:prstGeom>
+          <a:noFill/>
+        </p:spPr>
+        <p:txBody>
+          <a:bodyPr wrap="none" rtlCol="0">
+            <a:spAutoFit/>
+          </a:bodyPr>
+          <a:lstStyle/>
+          <a:p>
+            <a:r>
+              <a:rPr lang="en-US" sz="1400" dirty="0"/>
+              <a:t>commands</a:t>
+            </a:r>
+            <a:endParaRPr lang="sv-SE" sz="1400" dirty="0"/>
+          </a:p>
+        </p:txBody>
+      </p:sp>
+      <p:sp>
+        <p:nvSpPr>
+          <p:cNvPr id="22" name="textruta 21">
+            <a:extLst>
+              <a:ext uri="{FF2B5EF4-FFF2-40B4-BE49-F238E27FC236}">
+                <a16:creationId xmlns:a16="http://schemas.microsoft.com/office/drawing/2014/main" id="{A1540EFA-9914-4177-B402-0AFC77BFC12E}"/>
+              </a:ext>
+            </a:extLst>
+          </p:cNvPr>
+          <p:cNvSpPr txBox="1"/>
+          <p:nvPr/>
+        </p:nvSpPr>
+        <p:spPr>
+          <a:xfrm>
+            <a:off x="3795680" y="4025053"/>
+            <a:ext cx="728084" cy="307777"/>
+          </a:xfrm>
+          <a:prstGeom prst="rect">
+            <a:avLst/>
+          </a:prstGeom>
+          <a:noFill/>
+        </p:spPr>
+        <p:txBody>
+          <a:bodyPr wrap="none" rtlCol="0">
+            <a:spAutoFit/>
+          </a:bodyPr>
+          <a:lstStyle/>
+          <a:p>
+            <a:r>
+              <a:rPr lang="en-US" sz="1400" dirty="0"/>
+              <a:t>queries</a:t>
+            </a:r>
+            <a:endParaRPr lang="sv-SE" sz="1400" dirty="0"/>
+          </a:p>
+        </p:txBody>
+      </p:sp>
+      <p:sp>
+        <p:nvSpPr>
+          <p:cNvPr id="23" name="Pil: höger 22">
+            <a:extLst>
+              <a:ext uri="{FF2B5EF4-FFF2-40B4-BE49-F238E27FC236}">
+                <a16:creationId xmlns:a16="http://schemas.microsoft.com/office/drawing/2014/main" id="{034C5D4C-8251-492A-AA95-9AFA0EF7D855}"/>
+              </a:ext>
+            </a:extLst>
+          </p:cNvPr>
+          <p:cNvSpPr/>
+          <p:nvPr/>
+        </p:nvSpPr>
+        <p:spPr>
+          <a:xfrm>
+            <a:off x="3584566" y="4271159"/>
+            <a:ext cx="1266825" cy="323850"/>
+          </a:xfrm>
+          <a:prstGeom prst="rightArrow">
+            <a:avLst/>
+          </a:prstGeom>
+          <a:solidFill>
+            <a:schemeClr val="accent6">
+              <a:lumMod val="75000"/>
+            </a:schemeClr>
+          </a:solidFill>
+        </p:spPr>
+        <p:style>
+          <a:lnRef idx="2">
+            <a:schemeClr val="accent1">
+              <a:shade val="50000"/>
+            </a:schemeClr>
+          </a:lnRef>
+          <a:fillRef idx="1">
+            <a:schemeClr val="accent1"/>
+          </a:fillRef>
+          <a:effectRef idx="0">
+            <a:schemeClr val="accent1"/>
+          </a:effectRef>
+          <a:fontRef idx="minor">
+            <a:schemeClr val="lt1"/>
+          </a:fontRef>
+        </p:style>
+        <p:txBody>
+          <a:bodyPr rtlCol="0" anchor="ctr"/>
+          <a:lstStyle/>
+          <a:p>
+            <a:pPr algn="ctr"/>
+            <a:endParaRPr lang="sv-SE"/>
+          </a:p>
+        </p:txBody>
+      </p:sp>
+      <p:sp>
+        <p:nvSpPr>
+          <p:cNvPr id="24" name="Cylinder 23">
+            <a:extLst>
+              <a:ext uri="{FF2B5EF4-FFF2-40B4-BE49-F238E27FC236}">
+                <a16:creationId xmlns:a16="http://schemas.microsoft.com/office/drawing/2014/main" id="{74E5A35E-87FE-4415-802C-450B31C94C68}"/>
+              </a:ext>
+            </a:extLst>
+          </p:cNvPr>
+          <p:cNvSpPr/>
+          <p:nvPr/>
+        </p:nvSpPr>
+        <p:spPr>
+          <a:xfrm>
+            <a:off x="7357690" y="1926625"/>
+            <a:ext cx="590550" cy="712016"/>
+          </a:xfrm>
+          <a:prstGeom prst="can">
+            <a:avLst/>
+          </a:prstGeom>
+        </p:spPr>
+        <p:style>
+          <a:lnRef idx="2">
+            <a:schemeClr val="accent1">
+              <a:shade val="50000"/>
+            </a:schemeClr>
+          </a:lnRef>
+          <a:fillRef idx="1">
+            <a:schemeClr val="accent1"/>
+          </a:fillRef>
+          <a:effectRef idx="0">
+            <a:schemeClr val="accent1"/>
+          </a:effectRef>
+          <a:fontRef idx="minor">
+            <a:schemeClr val="lt1"/>
+          </a:fontRef>
+        </p:style>
+        <p:txBody>
+          <a:bodyPr rtlCol="0" anchor="ctr"/>
+          <a:lstStyle/>
+          <a:p>
+            <a:pPr algn="ctr"/>
+            <a:endParaRPr lang="sv-SE"/>
+          </a:p>
+        </p:txBody>
+      </p:sp>
+      <p:sp>
+        <p:nvSpPr>
+          <p:cNvPr id="25" name="Cylinder 24">
+            <a:extLst>
+              <a:ext uri="{FF2B5EF4-FFF2-40B4-BE49-F238E27FC236}">
+                <a16:creationId xmlns:a16="http://schemas.microsoft.com/office/drawing/2014/main" id="{926BA652-A371-41AE-86F6-08636FD99B67}"/>
+              </a:ext>
+            </a:extLst>
+          </p:cNvPr>
+          <p:cNvSpPr/>
+          <p:nvPr/>
+        </p:nvSpPr>
+        <p:spPr>
+          <a:xfrm>
+            <a:off x="7357690" y="4077076"/>
+            <a:ext cx="590550" cy="712016"/>
+          </a:xfrm>
+          <a:prstGeom prst="can">
+            <a:avLst/>
+          </a:prstGeom>
+          <a:solidFill>
+            <a:schemeClr val="accent6">
+              <a:lumMod val="60000"/>
+              <a:lumOff val="40000"/>
+            </a:schemeClr>
+          </a:solidFill>
+        </p:spPr>
+        <p:style>
+          <a:lnRef idx="2">
+            <a:schemeClr val="accent1">
+              <a:shade val="50000"/>
+            </a:schemeClr>
+          </a:lnRef>
+          <a:fillRef idx="1">
+            <a:schemeClr val="accent1"/>
+          </a:fillRef>
+          <a:effectRef idx="0">
+            <a:schemeClr val="accent1"/>
+          </a:effectRef>
+          <a:fontRef idx="minor">
+            <a:schemeClr val="lt1"/>
+          </a:fontRef>
+        </p:style>
+        <p:txBody>
+          <a:bodyPr rtlCol="0" anchor="ctr"/>
+          <a:lstStyle/>
+          <a:p>
+            <a:pPr algn="ctr"/>
+            <a:endParaRPr lang="sv-SE"/>
+          </a:p>
+        </p:txBody>
+      </p:sp>
+      <p:sp>
+        <p:nvSpPr>
+          <p:cNvPr id="27" name="Rektangel 26">
+            <a:extLst>
+              <a:ext uri="{FF2B5EF4-FFF2-40B4-BE49-F238E27FC236}">
+                <a16:creationId xmlns:a16="http://schemas.microsoft.com/office/drawing/2014/main" id="{5631247A-69CC-4C78-BE38-BD8018CE95A3}"/>
+              </a:ext>
+            </a:extLst>
+          </p:cNvPr>
+          <p:cNvSpPr/>
+          <p:nvPr/>
+        </p:nvSpPr>
+        <p:spPr>
+          <a:xfrm>
+            <a:off x="5194004" y="1831962"/>
+            <a:ext cx="1257300" cy="914400"/>
+          </a:xfrm>
+          <a:prstGeom prst="rect">
+            <a:avLst/>
+          </a:prstGeom>
+        </p:spPr>
+        <p:style>
+          <a:lnRef idx="2">
+            <a:schemeClr val="accent1">
+              <a:shade val="50000"/>
+            </a:schemeClr>
+          </a:lnRef>
+          <a:fillRef idx="1">
+            <a:schemeClr val="accent1"/>
+          </a:fillRef>
+          <a:effectRef idx="0">
+            <a:schemeClr val="accent1"/>
+          </a:effectRef>
+          <a:fontRef idx="minor">
+            <a:schemeClr val="lt1"/>
+          </a:fontRef>
+        </p:style>
+        <p:txBody>
+          <a:bodyPr rtlCol="0" anchor="ctr"/>
+          <a:lstStyle/>
+          <a:p>
+            <a:pPr algn="ctr"/>
+            <a:r>
+              <a:rPr lang="en-US" dirty="0"/>
+              <a:t>Domain</a:t>
+            </a:r>
+          </a:p>
+          <a:p>
+            <a:pPr algn="ctr"/>
+            <a:r>
+              <a:rPr lang="en-US" dirty="0"/>
+              <a:t>model</a:t>
+            </a:r>
+            <a:endParaRPr lang="sv-SE" dirty="0"/>
+          </a:p>
+        </p:txBody>
+      </p:sp>
+      <p:sp>
+        <p:nvSpPr>
+          <p:cNvPr id="29" name="Pil: höger 28">
+            <a:extLst>
+              <a:ext uri="{FF2B5EF4-FFF2-40B4-BE49-F238E27FC236}">
+                <a16:creationId xmlns:a16="http://schemas.microsoft.com/office/drawing/2014/main" id="{002D2767-4184-42C4-A7FC-C8E342F2FB9B}"/>
+              </a:ext>
+            </a:extLst>
+          </p:cNvPr>
+          <p:cNvSpPr/>
+          <p:nvPr/>
+        </p:nvSpPr>
+        <p:spPr>
+          <a:xfrm>
+            <a:off x="6531115" y="2127237"/>
+            <a:ext cx="745986" cy="323850"/>
+          </a:xfrm>
+          <a:prstGeom prst="rightArrow">
+            <a:avLst/>
+          </a:prstGeom>
+        </p:spPr>
+        <p:style>
+          <a:lnRef idx="2">
+            <a:schemeClr val="accent1">
+              <a:shade val="50000"/>
+            </a:schemeClr>
+          </a:lnRef>
+          <a:fillRef idx="1">
+            <a:schemeClr val="accent1"/>
+          </a:fillRef>
+          <a:effectRef idx="0">
+            <a:schemeClr val="accent1"/>
+          </a:effectRef>
+          <a:fontRef idx="minor">
+            <a:schemeClr val="lt1"/>
+          </a:fontRef>
+        </p:style>
+        <p:txBody>
+          <a:bodyPr rtlCol="0" anchor="ctr"/>
+          <a:lstStyle/>
+          <a:p>
+            <a:pPr algn="ctr"/>
+            <a:endParaRPr lang="sv-SE"/>
+          </a:p>
+        </p:txBody>
+      </p:sp>
+      <p:sp>
+        <p:nvSpPr>
+          <p:cNvPr id="31" name="Rektangel 30">
+            <a:extLst>
+              <a:ext uri="{FF2B5EF4-FFF2-40B4-BE49-F238E27FC236}">
+                <a16:creationId xmlns:a16="http://schemas.microsoft.com/office/drawing/2014/main" id="{5DADA3B3-3695-4041-B3E6-654F661D344E}"/>
+              </a:ext>
+            </a:extLst>
+          </p:cNvPr>
+          <p:cNvSpPr/>
+          <p:nvPr/>
+        </p:nvSpPr>
+        <p:spPr>
+          <a:xfrm>
+            <a:off x="5194004" y="3975884"/>
+            <a:ext cx="1257300" cy="914400"/>
+          </a:xfrm>
+          <a:prstGeom prst="rect">
+            <a:avLst/>
+          </a:prstGeom>
+        </p:spPr>
+        <p:style>
+          <a:lnRef idx="2">
+            <a:schemeClr val="accent1">
+              <a:shade val="50000"/>
+            </a:schemeClr>
+          </a:lnRef>
+          <a:fillRef idx="1">
+            <a:schemeClr val="accent1"/>
+          </a:fillRef>
+          <a:effectRef idx="0">
+            <a:schemeClr val="accent1"/>
+          </a:effectRef>
+          <a:fontRef idx="minor">
+            <a:schemeClr val="lt1"/>
+          </a:fontRef>
+        </p:style>
+        <p:txBody>
+          <a:bodyPr rtlCol="0" anchor="ctr"/>
+          <a:lstStyle/>
+          <a:p>
+            <a:pPr algn="ctr"/>
+            <a:r>
+              <a:rPr lang="en-US" dirty="0"/>
+              <a:t>Read queries</a:t>
+            </a:r>
+            <a:endParaRPr lang="sv-SE" dirty="0"/>
+          </a:p>
+        </p:txBody>
+      </p:sp>
+      <p:sp>
+        <p:nvSpPr>
+          <p:cNvPr id="32" name="Pil: höger 31">
+            <a:extLst>
+              <a:ext uri="{FF2B5EF4-FFF2-40B4-BE49-F238E27FC236}">
+                <a16:creationId xmlns:a16="http://schemas.microsoft.com/office/drawing/2014/main" id="{5F44C319-C7C1-4CA6-AF5B-97AD14F957FF}"/>
+              </a:ext>
+            </a:extLst>
+          </p:cNvPr>
+          <p:cNvSpPr/>
+          <p:nvPr/>
+        </p:nvSpPr>
+        <p:spPr>
+          <a:xfrm rot="10800000">
+            <a:off x="6531115" y="4261043"/>
+            <a:ext cx="745986" cy="323850"/>
+          </a:xfrm>
+          <a:prstGeom prst="rightArrow">
+            <a:avLst/>
+          </a:prstGeom>
+          <a:solidFill>
+            <a:schemeClr val="accent6">
+              <a:lumMod val="75000"/>
+            </a:schemeClr>
+          </a:solidFill>
+        </p:spPr>
+        <p:style>
+          <a:lnRef idx="2">
+            <a:schemeClr val="accent1">
+              <a:shade val="50000"/>
+            </a:schemeClr>
+          </a:lnRef>
+          <a:fillRef idx="1">
+            <a:schemeClr val="accent1"/>
+          </a:fillRef>
+          <a:effectRef idx="0">
+            <a:schemeClr val="accent1"/>
+          </a:effectRef>
+          <a:fontRef idx="minor">
+            <a:schemeClr val="lt1"/>
+          </a:fontRef>
+        </p:style>
+        <p:txBody>
+          <a:bodyPr rtlCol="0" anchor="ctr"/>
+          <a:lstStyle/>
+          <a:p>
+            <a:pPr algn="ctr"/>
+            <a:endParaRPr lang="sv-SE"/>
+          </a:p>
+        </p:txBody>
+      </p:sp>
+      <p:sp>
+        <p:nvSpPr>
+          <p:cNvPr id="35" name="Pil: höger 34">
+            <a:extLst>
+              <a:ext uri="{FF2B5EF4-FFF2-40B4-BE49-F238E27FC236}">
+                <a16:creationId xmlns:a16="http://schemas.microsoft.com/office/drawing/2014/main" id="{E23C8EFB-A944-49F4-9E87-84FA2AFCC776}"/>
+              </a:ext>
+            </a:extLst>
+          </p:cNvPr>
+          <p:cNvSpPr/>
+          <p:nvPr/>
+        </p:nvSpPr>
+        <p:spPr>
+          <a:xfrm rot="5400000">
+            <a:off x="7279972" y="3195933"/>
+            <a:ext cx="745986" cy="323850"/>
+          </a:xfrm>
+          <a:prstGeom prst="rightArrow">
+            <a:avLst/>
+          </a:prstGeom>
+          <a:gradFill flip="none" rotWithShape="1">
+            <a:gsLst>
+              <a:gs pos="0">
+                <a:schemeClr val="accent1"/>
+              </a:gs>
+              <a:gs pos="36000">
+                <a:schemeClr val="accent5">
+                  <a:lumMod val="40000"/>
+                  <a:lumOff val="60000"/>
+                </a:schemeClr>
+              </a:gs>
+              <a:gs pos="100000">
+                <a:schemeClr val="accent6">
+                  <a:lumMod val="75000"/>
+                </a:schemeClr>
+              </a:gs>
+            </a:gsLst>
+            <a:lin ang="0" scaled="1"/>
+            <a:tileRect/>
+          </a:gradFill>
+        </p:spPr>
+        <p:style>
+          <a:lnRef idx="2">
+            <a:schemeClr val="accent1">
+              <a:shade val="50000"/>
+            </a:schemeClr>
+          </a:lnRef>
+          <a:fillRef idx="1">
+            <a:schemeClr val="accent1"/>
+          </a:fillRef>
+          <a:effectRef idx="0">
+            <a:schemeClr val="accent1"/>
+          </a:effectRef>
+          <a:fontRef idx="minor">
+            <a:schemeClr val="lt1"/>
+          </a:fontRef>
+        </p:style>
+        <p:txBody>
+          <a:bodyPr rtlCol="0" anchor="ctr"/>
+          <a:lstStyle/>
+          <a:p>
+            <a:pPr algn="ctr"/>
+            <a:endParaRPr lang="sv-SE"/>
+          </a:p>
+        </p:txBody>
+      </p:sp>
+      <p:sp>
+        <p:nvSpPr>
+          <p:cNvPr id="36" name="textruta 35">
+            <a:extLst>
+              <a:ext uri="{FF2B5EF4-FFF2-40B4-BE49-F238E27FC236}">
+                <a16:creationId xmlns:a16="http://schemas.microsoft.com/office/drawing/2014/main" id="{BFEFD0F1-AC98-4C6D-A496-1C5D8FD74429}"/>
+              </a:ext>
+            </a:extLst>
+          </p:cNvPr>
+          <p:cNvSpPr txBox="1"/>
+          <p:nvPr/>
+        </p:nvSpPr>
+        <p:spPr>
+          <a:xfrm>
+            <a:off x="7814890" y="3135066"/>
+            <a:ext cx="1603003" cy="369332"/>
+          </a:xfrm>
+          <a:prstGeom prst="rect">
+            <a:avLst/>
+          </a:prstGeom>
+          <a:noFill/>
+        </p:spPr>
+        <p:txBody>
+          <a:bodyPr wrap="none" rtlCol="0">
+            <a:spAutoFit/>
+          </a:bodyPr>
+          <a:lstStyle/>
+          <a:p>
+            <a:r>
+              <a:rPr lang="en-US" dirty="0"/>
+              <a:t>sync via events</a:t>
+            </a:r>
+            <a:endParaRPr lang="sv-SE" dirty="0"/>
+          </a:p>
+        </p:txBody>
+      </p:sp>
+      <p:sp>
+        <p:nvSpPr>
+          <p:cNvPr id="37" name="textruta 36">
+            <a:extLst>
+              <a:ext uri="{FF2B5EF4-FFF2-40B4-BE49-F238E27FC236}">
+                <a16:creationId xmlns:a16="http://schemas.microsoft.com/office/drawing/2014/main" id="{11B3C604-4403-4962-BBCB-D462E8E005B9}"/>
+              </a:ext>
+            </a:extLst>
+          </p:cNvPr>
+          <p:cNvSpPr txBox="1"/>
+          <p:nvPr/>
+        </p:nvSpPr>
+        <p:spPr>
+          <a:xfrm>
+            <a:off x="7948239" y="2104496"/>
+            <a:ext cx="876907" cy="369332"/>
+          </a:xfrm>
+          <a:prstGeom prst="rect">
+            <a:avLst/>
+          </a:prstGeom>
+          <a:noFill/>
+        </p:spPr>
+        <p:txBody>
+          <a:bodyPr wrap="none" rtlCol="0">
+            <a:spAutoFit/>
+          </a:bodyPr>
+          <a:lstStyle/>
+          <a:p>
+            <a:r>
+              <a:rPr lang="en-US" dirty="0"/>
+              <a:t>storage</a:t>
+            </a:r>
+            <a:endParaRPr lang="sv-SE" dirty="0"/>
+          </a:p>
+        </p:txBody>
+      </p:sp>
+      <p:sp>
+        <p:nvSpPr>
+          <p:cNvPr id="38" name="textruta 37">
+            <a:extLst>
+              <a:ext uri="{FF2B5EF4-FFF2-40B4-BE49-F238E27FC236}">
+                <a16:creationId xmlns:a16="http://schemas.microsoft.com/office/drawing/2014/main" id="{A59DB58B-FCA8-4585-AA41-B260BE80E37B}"/>
+              </a:ext>
+            </a:extLst>
+          </p:cNvPr>
+          <p:cNvSpPr txBox="1"/>
+          <p:nvPr/>
+        </p:nvSpPr>
+        <p:spPr>
+          <a:xfrm>
+            <a:off x="7948240" y="4253078"/>
+            <a:ext cx="876907" cy="369332"/>
+          </a:xfrm>
+          <a:prstGeom prst="rect">
+            <a:avLst/>
+          </a:prstGeom>
+          <a:noFill/>
+        </p:spPr>
+        <p:txBody>
+          <a:bodyPr wrap="none" rtlCol="0">
+            <a:spAutoFit/>
+          </a:bodyPr>
+          <a:lstStyle/>
+          <a:p>
+            <a:r>
+              <a:rPr lang="en-US" dirty="0"/>
+              <a:t>storage</a:t>
+            </a:r>
+            <a:endParaRPr lang="sv-SE" dirty="0"/>
+          </a:p>
+        </p:txBody>
+      </p:sp>
+    </p:spTree>
+    <p:extLst>
+      <p:ext uri="{BB962C8B-B14F-4D97-AF65-F5344CB8AC3E}">
+        <p14:creationId xmlns:p14="http://schemas.microsoft.com/office/powerpoint/2010/main" val="2376297336"/>
+      </p:ext>
+    </p:extLst>
+  </p:cSld>
+  <p:clrMapOvr>
+    <a:masterClrMapping/>
+  </p:clrMapOvr>
+</p:sld>
+</file>
+
+<file path=ppt/slides/slide2.xml><?xml version="1.0" encoding="utf-8"?>
+<p:sld xmlns:a="http://schemas.openxmlformats.org/drawingml/2006/main" xmlns:r="http://schemas.openxmlformats.org/officeDocument/2006/relationships" xmlns:p="http://schemas.openxmlformats.org/presentationml/2006/main">
+  <p:cSld>
+    <p:spTree>
+      <p:nvGrpSpPr>
+        <p:cNvPr id="1" name=""/>
+        <p:cNvGrpSpPr/>
+        <p:nvPr/>
+      </p:nvGrpSpPr>
+      <p:grpSpPr>
+        <a:xfrm>
+          <a:off x="0" y="0"/>
+          <a:ext cx="0" cy="0"/>
+          <a:chOff x="0" y="0"/>
+          <a:chExt cx="0" cy="0"/>
+        </a:xfrm>
+      </p:grpSpPr>
+      <p:sp>
+        <p:nvSpPr>
           <p:cNvPr id="2" name="Rektangel 1">
             <a:extLst>
               <a:ext uri="{FF2B5EF4-FFF2-40B4-BE49-F238E27FC236}">
@@ -5305,7 +6718,7 @@
 </p:sld>
 </file>
 
-<file path=ppt/slides/slide2.xml><?xml version="1.0" encoding="utf-8"?>
+<file path=ppt/slides/slide3.xml><?xml version="1.0" encoding="utf-8"?>
 <p:sld xmlns:a="http://schemas.openxmlformats.org/drawingml/2006/main" xmlns:r="http://schemas.openxmlformats.org/officeDocument/2006/relationships" xmlns:p="http://schemas.openxmlformats.org/presentationml/2006/main">
   <p:cSld>
     <p:spTree>

--- a/demystify-cqrs/demystify_cqrs.pptx
+++ b/demystify-cqrs/demystify_cqrs.pptx
@@ -3343,7 +3343,7 @@
         <p:spPr>
           <a:xfrm>
             <a:off x="3318236" y="990896"/>
-            <a:ext cx="6244864" cy="4733923"/>
+            <a:ext cx="5921014" cy="4733923"/>
           </a:xfrm>
           <a:prstGeom prst="rect">
             <a:avLst/>
@@ -3392,7 +3392,7 @@
         <p:spPr>
           <a:xfrm>
             <a:off x="4599066" y="3817917"/>
-            <a:ext cx="2391386" cy="1238250"/>
+            <a:ext cx="3782934" cy="1238250"/>
           </a:xfrm>
           <a:prstGeom prst="roundRect">
             <a:avLst/>
@@ -3745,8 +3745,8 @@
         </p:nvSpPr>
         <p:spPr>
           <a:xfrm>
-            <a:off x="1447928" y="1362671"/>
-            <a:ext cx="659476" cy="1839927"/>
+            <a:off x="1362203" y="1323398"/>
+            <a:ext cx="769057" cy="1918474"/>
           </a:xfrm>
           <a:prstGeom prst="rect">
             <a:avLst/>
@@ -3761,11 +3761,16 @@
           <a:p>
             <a:pPr algn="ctr"/>
             <a:r>
-              <a:rPr lang="en-US" sz="1400" b="1" dirty="0"/>
+              <a:rPr lang="en-US" sz="2000" b="1" dirty="0">
+                <a:solidFill>
+                  <a:srgbClr val="0070C0"/>
+                </a:solidFill>
+              </a:rPr>
               <a:t>WRITE</a:t>
             </a:r>
           </a:p>
           <a:p>
+            <a:pPr algn="ctr"/>
             <a:r>
               <a:rPr lang="en-US" sz="1200" dirty="0"/>
               <a:t>REQUESTS</a:t>
@@ -4036,8 +4041,8 @@
         </p:nvSpPr>
         <p:spPr>
           <a:xfrm>
-            <a:off x="1447928" y="3504398"/>
-            <a:ext cx="659476" cy="1839927"/>
+            <a:off x="1362203" y="3504398"/>
+            <a:ext cx="769057" cy="1839927"/>
           </a:xfrm>
           <a:prstGeom prst="rect">
             <a:avLst/>
@@ -4052,7 +4057,13 @@
           <a:p>
             <a:pPr algn="ctr"/>
             <a:r>
-              <a:rPr lang="en-US" sz="1400" b="1" dirty="0"/>
+              <a:rPr lang="en-US" sz="2000" b="1" dirty="0">
+                <a:solidFill>
+                  <a:schemeClr val="accent6">
+                    <a:lumMod val="75000"/>
+                  </a:schemeClr>
+                </a:solidFill>
+              </a:rPr>
               <a:t>READ</a:t>
             </a:r>
           </a:p>
@@ -4198,7 +4209,7 @@
         <p:spPr>
           <a:xfrm>
             <a:off x="3584566" y="4271159"/>
-            <a:ext cx="1266825" cy="323850"/>
+            <a:ext cx="1528849" cy="323850"/>
           </a:xfrm>
           <a:prstGeom prst="rightArrow">
             <a:avLst/>
@@ -4294,7 +4305,7 @@
         </p:nvSpPr>
         <p:spPr>
           <a:xfrm>
-            <a:off x="7357690" y="4077076"/>
+            <a:off x="7357690" y="4048501"/>
             <a:ext cx="590550" cy="712016"/>
           </a:xfrm>
           <a:prstGeom prst="can">
@@ -4302,8 +4313,7 @@
           </a:prstGeom>
           <a:solidFill>
             <a:schemeClr val="accent6">
-              <a:lumMod val="60000"/>
-              <a:lumOff val="40000"/>
+              <a:lumMod val="75000"/>
             </a:schemeClr>
           </a:solidFill>
         </p:spPr>
@@ -4455,6 +4465,11 @@
           <a:prstGeom prst="rect">
             <a:avLst/>
           </a:prstGeom>
+          <a:solidFill>
+            <a:schemeClr val="accent6">
+              <a:lumMod val="50000"/>
+            </a:schemeClr>
+          </a:solidFill>
         </p:spPr>
         <p:style>
           <a:lnRef idx="2">
@@ -4538,10 +4553,118 @@
       </p:sp>
       <p:sp>
         <p:nvSpPr>
-          <p:cNvPr id="35" name="Pil: höger 34">
-            <a:extLst>
-              <a:ext uri="{FF2B5EF4-FFF2-40B4-BE49-F238E27FC236}">
-                <a16:creationId xmlns:a16="http://schemas.microsoft.com/office/drawing/2014/main" id="{E23C8EFB-A944-49F4-9E87-84FA2AFCC776}"/>
+          <p:cNvPr id="36" name="textruta 35">
+            <a:extLst>
+              <a:ext uri="{FF2B5EF4-FFF2-40B4-BE49-F238E27FC236}">
+                <a16:creationId xmlns:a16="http://schemas.microsoft.com/office/drawing/2014/main" id="{BFEFD0F1-AC98-4C6D-A496-1C5D8FD74429}"/>
+              </a:ext>
+            </a:extLst>
+          </p:cNvPr>
+          <p:cNvSpPr txBox="1"/>
+          <p:nvPr/>
+        </p:nvSpPr>
+        <p:spPr>
+          <a:xfrm>
+            <a:off x="7748215" y="3058866"/>
+            <a:ext cx="1423338" cy="307777"/>
+          </a:xfrm>
+          <a:prstGeom prst="rect">
+            <a:avLst/>
+          </a:prstGeom>
+          <a:noFill/>
+        </p:spPr>
+        <p:txBody>
+          <a:bodyPr wrap="none" rtlCol="0">
+            <a:spAutoFit/>
+          </a:bodyPr>
+          <a:lstStyle/>
+          <a:p>
+            <a:r>
+              <a:rPr lang="en-US" sz="1400" dirty="0"/>
+              <a:t>“sync” via events</a:t>
+            </a:r>
+            <a:endParaRPr lang="sv-SE" sz="1400" dirty="0"/>
+          </a:p>
+        </p:txBody>
+      </p:sp>
+      <p:sp>
+        <p:nvSpPr>
+          <p:cNvPr id="37" name="textruta 36">
+            <a:extLst>
+              <a:ext uri="{FF2B5EF4-FFF2-40B4-BE49-F238E27FC236}">
+                <a16:creationId xmlns:a16="http://schemas.microsoft.com/office/drawing/2014/main" id="{11B3C604-4403-4962-BBCB-D462E8E005B9}"/>
+              </a:ext>
+            </a:extLst>
+          </p:cNvPr>
+          <p:cNvSpPr txBox="1"/>
+          <p:nvPr/>
+        </p:nvSpPr>
+        <p:spPr>
+          <a:xfrm>
+            <a:off x="7214511" y="1503163"/>
+            <a:ext cx="876907" cy="369332"/>
+          </a:xfrm>
+          <a:prstGeom prst="rect">
+            <a:avLst/>
+          </a:prstGeom>
+          <a:noFill/>
+        </p:spPr>
+        <p:txBody>
+          <a:bodyPr wrap="none" rtlCol="0">
+            <a:spAutoFit/>
+          </a:bodyPr>
+          <a:lstStyle/>
+          <a:p>
+            <a:r>
+              <a:rPr lang="en-US" dirty="0"/>
+              <a:t>storage</a:t>
+            </a:r>
+            <a:endParaRPr lang="sv-SE" dirty="0"/>
+          </a:p>
+        </p:txBody>
+      </p:sp>
+      <p:sp>
+        <p:nvSpPr>
+          <p:cNvPr id="38" name="textruta 37">
+            <a:extLst>
+              <a:ext uri="{FF2B5EF4-FFF2-40B4-BE49-F238E27FC236}">
+                <a16:creationId xmlns:a16="http://schemas.microsoft.com/office/drawing/2014/main" id="{A59DB58B-FCA8-4585-AA41-B260BE80E37B}"/>
+              </a:ext>
+            </a:extLst>
+          </p:cNvPr>
+          <p:cNvSpPr txBox="1"/>
+          <p:nvPr/>
+        </p:nvSpPr>
+        <p:spPr>
+          <a:xfrm>
+            <a:off x="7214511" y="4727556"/>
+            <a:ext cx="876907" cy="369332"/>
+          </a:xfrm>
+          <a:prstGeom prst="rect">
+            <a:avLst/>
+          </a:prstGeom>
+          <a:noFill/>
+        </p:spPr>
+        <p:txBody>
+          <a:bodyPr wrap="none" rtlCol="0">
+            <a:spAutoFit/>
+          </a:bodyPr>
+          <a:lstStyle/>
+          <a:p>
+            <a:r>
+              <a:rPr lang="en-US" dirty="0"/>
+              <a:t>storage</a:t>
+            </a:r>
+            <a:endParaRPr lang="sv-SE" dirty="0"/>
+          </a:p>
+        </p:txBody>
+      </p:sp>
+      <p:sp>
+        <p:nvSpPr>
+          <p:cNvPr id="42" name="Blixt 41">
+            <a:extLst>
+              <a:ext uri="{FF2B5EF4-FFF2-40B4-BE49-F238E27FC236}">
+                <a16:creationId xmlns:a16="http://schemas.microsoft.com/office/drawing/2014/main" id="{B80A2F73-67D8-4259-AD7C-098D091A27A2}"/>
               </a:ext>
             </a:extLst>
           </p:cNvPr>
@@ -4549,33 +4672,16 @@
           <p:nvPr/>
         </p:nvSpPr>
         <p:spPr>
-          <a:xfrm rot="5400000">
-            <a:off x="7279972" y="3195933"/>
-            <a:ext cx="745986" cy="323850"/>
-          </a:xfrm>
-          <a:prstGeom prst="rightArrow">
-            <a:avLst/>
-          </a:prstGeom>
-          <a:gradFill flip="none" rotWithShape="1">
-            <a:gsLst>
-              <a:gs pos="0">
-                <a:schemeClr val="accent1"/>
-              </a:gs>
-              <a:gs pos="36000">
-                <a:schemeClr val="accent5">
-                  <a:lumMod val="40000"/>
-                  <a:lumOff val="60000"/>
-                </a:schemeClr>
-              </a:gs>
-              <a:gs pos="100000">
-                <a:schemeClr val="accent6">
-                  <a:lumMod val="75000"/>
-                </a:schemeClr>
-              </a:gs>
-            </a:gsLst>
-            <a:lin ang="0" scaled="1"/>
-            <a:tileRect/>
-          </a:gradFill>
+          <a:xfrm rot="1050250">
+            <a:off x="7343256" y="2768926"/>
+            <a:ext cx="532660" cy="1058111"/>
+          </a:xfrm>
+          <a:prstGeom prst="lightningBolt">
+            <a:avLst/>
+          </a:prstGeom>
+          <a:solidFill>
+            <a:srgbClr val="FFFF00"/>
+          </a:solidFill>
         </p:spPr>
         <p:style>
           <a:lnRef idx="2">
@@ -4599,114 +4705,6 @@
           <a:p>
             <a:pPr algn="ctr"/>
             <a:endParaRPr lang="sv-SE"/>
-          </a:p>
-        </p:txBody>
-      </p:sp>
-      <p:sp>
-        <p:nvSpPr>
-          <p:cNvPr id="36" name="textruta 35">
-            <a:extLst>
-              <a:ext uri="{FF2B5EF4-FFF2-40B4-BE49-F238E27FC236}">
-                <a16:creationId xmlns:a16="http://schemas.microsoft.com/office/drawing/2014/main" id="{BFEFD0F1-AC98-4C6D-A496-1C5D8FD74429}"/>
-              </a:ext>
-            </a:extLst>
-          </p:cNvPr>
-          <p:cNvSpPr txBox="1"/>
-          <p:nvPr/>
-        </p:nvSpPr>
-        <p:spPr>
-          <a:xfrm>
-            <a:off x="7814890" y="3135066"/>
-            <a:ext cx="1603003" cy="369332"/>
-          </a:xfrm>
-          <a:prstGeom prst="rect">
-            <a:avLst/>
-          </a:prstGeom>
-          <a:noFill/>
-        </p:spPr>
-        <p:txBody>
-          <a:bodyPr wrap="none" rtlCol="0">
-            <a:spAutoFit/>
-          </a:bodyPr>
-          <a:lstStyle/>
-          <a:p>
-            <a:r>
-              <a:rPr lang="en-US" dirty="0"/>
-              <a:t>sync via events</a:t>
-            </a:r>
-            <a:endParaRPr lang="sv-SE" dirty="0"/>
-          </a:p>
-        </p:txBody>
-      </p:sp>
-      <p:sp>
-        <p:nvSpPr>
-          <p:cNvPr id="37" name="textruta 36">
-            <a:extLst>
-              <a:ext uri="{FF2B5EF4-FFF2-40B4-BE49-F238E27FC236}">
-                <a16:creationId xmlns:a16="http://schemas.microsoft.com/office/drawing/2014/main" id="{11B3C604-4403-4962-BBCB-D462E8E005B9}"/>
-              </a:ext>
-            </a:extLst>
-          </p:cNvPr>
-          <p:cNvSpPr txBox="1"/>
-          <p:nvPr/>
-        </p:nvSpPr>
-        <p:spPr>
-          <a:xfrm>
-            <a:off x="7948239" y="2104496"/>
-            <a:ext cx="876907" cy="369332"/>
-          </a:xfrm>
-          <a:prstGeom prst="rect">
-            <a:avLst/>
-          </a:prstGeom>
-          <a:noFill/>
-        </p:spPr>
-        <p:txBody>
-          <a:bodyPr wrap="none" rtlCol="0">
-            <a:spAutoFit/>
-          </a:bodyPr>
-          <a:lstStyle/>
-          <a:p>
-            <a:r>
-              <a:rPr lang="en-US" dirty="0"/>
-              <a:t>storage</a:t>
-            </a:r>
-            <a:endParaRPr lang="sv-SE" dirty="0"/>
-          </a:p>
-        </p:txBody>
-      </p:sp>
-      <p:sp>
-        <p:nvSpPr>
-          <p:cNvPr id="38" name="textruta 37">
-            <a:extLst>
-              <a:ext uri="{FF2B5EF4-FFF2-40B4-BE49-F238E27FC236}">
-                <a16:creationId xmlns:a16="http://schemas.microsoft.com/office/drawing/2014/main" id="{A59DB58B-FCA8-4585-AA41-B260BE80E37B}"/>
-              </a:ext>
-            </a:extLst>
-          </p:cNvPr>
-          <p:cNvSpPr txBox="1"/>
-          <p:nvPr/>
-        </p:nvSpPr>
-        <p:spPr>
-          <a:xfrm>
-            <a:off x="7948240" y="4253078"/>
-            <a:ext cx="876907" cy="369332"/>
-          </a:xfrm>
-          <a:prstGeom prst="rect">
-            <a:avLst/>
-          </a:prstGeom>
-          <a:noFill/>
-        </p:spPr>
-        <p:txBody>
-          <a:bodyPr wrap="none" rtlCol="0">
-            <a:spAutoFit/>
-          </a:bodyPr>
-          <a:lstStyle/>
-          <a:p>
-            <a:r>
-              <a:rPr lang="en-US" dirty="0"/>
-              <a:t>storage</a:t>
-            </a:r>
-            <a:endParaRPr lang="sv-SE" dirty="0"/>
           </a:p>
         </p:txBody>
       </p:sp>
@@ -6737,6 +6735,57 @@
       </p:grpSpPr>
       <p:sp>
         <p:nvSpPr>
+          <p:cNvPr id="18" name="Rektangel 17">
+            <a:extLst>
+              <a:ext uri="{FF2B5EF4-FFF2-40B4-BE49-F238E27FC236}">
+                <a16:creationId xmlns:a16="http://schemas.microsoft.com/office/drawing/2014/main" id="{1ECCAF0A-EA0E-4C56-AE9A-41E369994810}"/>
+              </a:ext>
+            </a:extLst>
+          </p:cNvPr>
+          <p:cNvSpPr/>
+          <p:nvPr/>
+        </p:nvSpPr>
+        <p:spPr>
+          <a:xfrm>
+            <a:off x="114300" y="2076451"/>
+            <a:ext cx="9481215" cy="2215992"/>
+          </a:xfrm>
+          <a:prstGeom prst="rect">
+            <a:avLst/>
+          </a:prstGeom>
+          <a:solidFill>
+            <a:schemeClr val="bg1">
+              <a:lumMod val="95000"/>
+            </a:schemeClr>
+          </a:solidFill>
+        </p:spPr>
+        <p:style>
+          <a:lnRef idx="2">
+            <a:schemeClr val="accent1">
+              <a:shade val="50000"/>
+            </a:schemeClr>
+          </a:lnRef>
+          <a:fillRef idx="1">
+            <a:schemeClr val="accent1"/>
+          </a:fillRef>
+          <a:effectRef idx="0">
+            <a:schemeClr val="accent1"/>
+          </a:effectRef>
+          <a:fontRef idx="minor">
+            <a:schemeClr val="lt1"/>
+          </a:fontRef>
+        </p:style>
+        <p:txBody>
+          <a:bodyPr rtlCol="0" anchor="ctr"/>
+          <a:lstStyle/>
+          <a:p>
+            <a:pPr algn="ctr"/>
+            <a:endParaRPr lang="sv-SE"/>
+          </a:p>
+        </p:txBody>
+      </p:sp>
+      <p:sp>
+        <p:nvSpPr>
           <p:cNvPr id="4" name="textruta 3">
             <a:extLst>
               <a:ext uri="{FF2B5EF4-FFF2-40B4-BE49-F238E27FC236}">
@@ -6749,8 +6798,8 @@
         </p:nvSpPr>
         <p:spPr>
           <a:xfrm>
-            <a:off x="350516" y="2516684"/>
-            <a:ext cx="6155852" cy="1754326"/>
+            <a:off x="436241" y="2516684"/>
+            <a:ext cx="4820550" cy="1384995"/>
           </a:xfrm>
           <a:prstGeom prst="rect">
             <a:avLst/>
@@ -6764,7 +6813,7 @@
           <a:lstStyle/>
           <a:p>
             <a:r>
-              <a:rPr lang="en-US" sz="3600" dirty="0">
+              <a:rPr lang="en-US" sz="2800" dirty="0">
                 <a:solidFill>
                   <a:srgbClr val="FF0000"/>
                 </a:solidFill>
@@ -6774,14 +6823,14 @@
               <a:t>C</a:t>
             </a:r>
             <a:r>
-              <a:rPr lang="en-US" sz="3600" dirty="0">
+              <a:rPr lang="en-US" sz="2800" dirty="0">
                 <a:latin typeface="Aharoni" panose="020B0604020202020204" pitchFamily="2" charset="-79"/>
                 <a:cs typeface="Aharoni" panose="020B0604020202020204" pitchFamily="2" charset="-79"/>
               </a:rPr>
               <a:t>reate           </a:t>
             </a:r>
             <a:r>
-              <a:rPr lang="en-US" sz="3600" dirty="0">
+              <a:rPr lang="en-US" sz="2800" dirty="0">
                 <a:solidFill>
                   <a:srgbClr val="FF0000"/>
                 </a:solidFill>
@@ -6791,14 +6840,14 @@
               <a:t>U</a:t>
             </a:r>
             <a:r>
-              <a:rPr lang="en-US" sz="3600" dirty="0">
+              <a:rPr lang="en-US" sz="2800" dirty="0">
                 <a:latin typeface="Aharoni" panose="020B0604020202020204" pitchFamily="2" charset="-79"/>
                 <a:cs typeface="Aharoni" panose="020B0604020202020204" pitchFamily="2" charset="-79"/>
               </a:rPr>
               <a:t>pdate </a:t>
             </a:r>
             <a:r>
-              <a:rPr lang="en-US" sz="3600" dirty="0">
+              <a:rPr lang="en-US" sz="2800" dirty="0">
                 <a:solidFill>
                   <a:srgbClr val="FF0000"/>
                 </a:solidFill>
@@ -6808,7 +6857,7 @@
               <a:t>D</a:t>
             </a:r>
             <a:r>
-              <a:rPr lang="en-US" sz="3600" dirty="0">
+              <a:rPr lang="en-US" sz="2800" dirty="0">
                 <a:latin typeface="Aharoni" panose="020B0604020202020204" pitchFamily="2" charset="-79"/>
                 <a:cs typeface="Aharoni" panose="020B0604020202020204" pitchFamily="2" charset="-79"/>
               </a:rPr>
@@ -6816,24 +6865,24 @@
             </a:r>
           </a:p>
           <a:p>
-            <a:endParaRPr lang="en-US" sz="3600" dirty="0">
+            <a:endParaRPr lang="en-US" sz="2800" dirty="0">
               <a:latin typeface="Aharoni" panose="020B0604020202020204" pitchFamily="2" charset="-79"/>
               <a:cs typeface="Aharoni" panose="020B0604020202020204" pitchFamily="2" charset="-79"/>
             </a:endParaRPr>
           </a:p>
           <a:p>
             <a:r>
-              <a:rPr lang="en-US" sz="3600" dirty="0">
+              <a:rPr lang="en-US" sz="2800" dirty="0">
                 <a:solidFill>
                   <a:srgbClr val="00B050"/>
                 </a:solidFill>
                 <a:latin typeface="Aharoni" panose="020B0604020202020204" pitchFamily="2" charset="-79"/>
                 <a:cs typeface="Aharoni" panose="020B0604020202020204" pitchFamily="2" charset="-79"/>
               </a:rPr>
-              <a:t>	     R</a:t>
-            </a:r>
-            <a:r>
-              <a:rPr lang="en-US" sz="3600" dirty="0">
+              <a:t>	   R</a:t>
+            </a:r>
+            <a:r>
+              <a:rPr lang="en-US" sz="2800" dirty="0">
                 <a:latin typeface="Aharoni" panose="020B0604020202020204" pitchFamily="2" charset="-79"/>
                 <a:cs typeface="Aharoni" panose="020B0604020202020204" pitchFamily="2" charset="-79"/>
               </a:rPr>
@@ -6856,8 +6905,8 @@
         </p:nvSpPr>
         <p:spPr>
           <a:xfrm>
-            <a:off x="7488903" y="2516684"/>
-            <a:ext cx="3889206" cy="646331"/>
+            <a:off x="6181725" y="2516684"/>
+            <a:ext cx="3065263" cy="523220"/>
           </a:xfrm>
           <a:prstGeom prst="rect">
             <a:avLst/>
@@ -6884,10 +6933,10 @@
           </a:lstStyle>
           <a:p>
             <a:r>
-              <a:rPr lang="en-US" dirty="0"/>
+              <a:rPr lang="en-US" sz="2800" dirty="0"/>
               <a:t>Command model</a:t>
             </a:r>
-            <a:endParaRPr lang="sv-SE" dirty="0"/>
+            <a:endParaRPr lang="sv-SE" sz="2800" dirty="0"/>
           </a:p>
         </p:txBody>
       </p:sp>
@@ -6905,8 +6954,8 @@
         </p:nvSpPr>
         <p:spPr>
           <a:xfrm>
-            <a:off x="7488903" y="3619886"/>
-            <a:ext cx="3063659" cy="646331"/>
+            <a:off x="6181725" y="3358275"/>
+            <a:ext cx="2422458" cy="523220"/>
           </a:xfrm>
           <a:prstGeom prst="rect">
             <a:avLst/>
@@ -6933,14 +6982,14 @@
           </a:lstStyle>
           <a:p>
             <a:r>
-              <a:rPr lang="en-US" dirty="0">
+              <a:rPr lang="en-US" sz="2800" dirty="0">
                 <a:solidFill>
                   <a:srgbClr val="00B050"/>
                 </a:solidFill>
               </a:rPr>
               <a:t>Query model</a:t>
             </a:r>
-            <a:endParaRPr lang="sv-SE" dirty="0">
+            <a:endParaRPr lang="sv-SE" sz="2800" dirty="0">
               <a:solidFill>
                 <a:srgbClr val="00B050"/>
               </a:solidFill>
@@ -6962,8 +7011,8 @@
         </p:nvSpPr>
         <p:spPr>
           <a:xfrm>
-            <a:off x="3235260" y="3785890"/>
-            <a:ext cx="4072668" cy="314325"/>
+            <a:off x="2862046" y="3462723"/>
+            <a:ext cx="3214904" cy="314325"/>
           </a:xfrm>
           <a:prstGeom prst="rightArrow">
             <a:avLst/>
@@ -7011,7 +7060,7 @@
         </p:nvSpPr>
         <p:spPr>
           <a:xfrm>
-            <a:off x="6506368" y="2691437"/>
+            <a:off x="5275390" y="2621131"/>
             <a:ext cx="801560" cy="314325"/>
           </a:xfrm>
           <a:prstGeom prst="rightArrow">
@@ -7038,11 +7087,208 @@
           </a:fontRef>
         </p:style>
         <p:txBody>
-          <a:bodyPr rtlCol="0" anchor="ctr"/>
+          <a:bodyPr rot="0" spcFirstLastPara="0" vertOverflow="overflow" horzOverflow="overflow" vert="horz" wrap="square" lIns="91440" tIns="45720" rIns="91440" bIns="45720" numCol="1" spcCol="0" rtlCol="0" fromWordArt="0" anchor="ctr" anchorCtr="0" forceAA="0" compatLnSpc="1">
+            <a:prstTxWarp prst="textNoShape">
+              <a:avLst/>
+            </a:prstTxWarp>
+            <a:noAutofit/>
+          </a:bodyPr>
           <a:lstStyle/>
           <a:p>
             <a:pPr algn="ctr"/>
             <a:endParaRPr lang="sv-SE"/>
+          </a:p>
+        </p:txBody>
+      </p:sp>
+      <p:sp>
+        <p:nvSpPr>
+          <p:cNvPr id="14" name="textruta 13">
+            <a:extLst>
+              <a:ext uri="{FF2B5EF4-FFF2-40B4-BE49-F238E27FC236}">
+                <a16:creationId xmlns:a16="http://schemas.microsoft.com/office/drawing/2014/main" id="{A63EB8D3-52C1-441A-A617-615D7DD0F92F}"/>
+              </a:ext>
+            </a:extLst>
+          </p:cNvPr>
+          <p:cNvSpPr txBox="1"/>
+          <p:nvPr/>
+        </p:nvSpPr>
+        <p:spPr>
+          <a:xfrm>
+            <a:off x="417191" y="2044035"/>
+            <a:ext cx="1128835" cy="2215991"/>
+          </a:xfrm>
+          <a:prstGeom prst="rect">
+            <a:avLst/>
+          </a:prstGeom>
+          <a:noFill/>
+        </p:spPr>
+        <p:txBody>
+          <a:bodyPr wrap="none" rtlCol="0">
+            <a:spAutoFit/>
+          </a:bodyPr>
+          <a:lstStyle/>
+          <a:p>
+            <a:r>
+              <a:rPr lang="en-US" sz="13800" dirty="0">
+                <a:solidFill>
+                  <a:srgbClr val="FF0000">
+                    <a:alpha val="25000"/>
+                  </a:srgbClr>
+                </a:solidFill>
+              </a:rPr>
+              <a:t>C</a:t>
+            </a:r>
+            <a:endParaRPr lang="sv-SE" sz="13800" dirty="0">
+              <a:solidFill>
+                <a:srgbClr val="FF0000">
+                  <a:alpha val="25000"/>
+                </a:srgbClr>
+              </a:solidFill>
+            </a:endParaRPr>
+          </a:p>
+        </p:txBody>
+      </p:sp>
+      <p:sp>
+        <p:nvSpPr>
+          <p:cNvPr id="15" name="textruta 14">
+            <a:extLst>
+              <a:ext uri="{FF2B5EF4-FFF2-40B4-BE49-F238E27FC236}">
+                <a16:creationId xmlns:a16="http://schemas.microsoft.com/office/drawing/2014/main" id="{27422165-050E-4C61-9596-ADFC1D5466A3}"/>
+              </a:ext>
+            </a:extLst>
+          </p:cNvPr>
+          <p:cNvSpPr txBox="1"/>
+          <p:nvPr/>
+        </p:nvSpPr>
+        <p:spPr>
+          <a:xfrm>
+            <a:off x="1536923" y="2044035"/>
+            <a:ext cx="1144865" cy="2215991"/>
+          </a:xfrm>
+          <a:prstGeom prst="rect">
+            <a:avLst/>
+          </a:prstGeom>
+          <a:noFill/>
+        </p:spPr>
+        <p:txBody>
+          <a:bodyPr wrap="none" rtlCol="0">
+            <a:spAutoFit/>
+          </a:bodyPr>
+          <a:lstStyle/>
+          <a:p>
+            <a:r>
+              <a:rPr lang="en-US" sz="13800" dirty="0">
+                <a:solidFill>
+                  <a:srgbClr val="00B050">
+                    <a:alpha val="25000"/>
+                  </a:srgbClr>
+                </a:solidFill>
+              </a:rPr>
+              <a:t>R</a:t>
+            </a:r>
+            <a:endParaRPr lang="sv-SE" sz="13800" dirty="0">
+              <a:solidFill>
+                <a:srgbClr val="00B050">
+                  <a:alpha val="25000"/>
+                </a:srgbClr>
+              </a:solidFill>
+            </a:endParaRPr>
+          </a:p>
+        </p:txBody>
+      </p:sp>
+      <p:sp>
+        <p:nvSpPr>
+          <p:cNvPr id="16" name="textruta 15">
+            <a:extLst>
+              <a:ext uri="{FF2B5EF4-FFF2-40B4-BE49-F238E27FC236}">
+                <a16:creationId xmlns:a16="http://schemas.microsoft.com/office/drawing/2014/main" id="{9B53D9A2-FDAE-461C-98FE-8F86FF80C634}"/>
+              </a:ext>
+            </a:extLst>
+          </p:cNvPr>
+          <p:cNvSpPr txBox="1"/>
+          <p:nvPr/>
+        </p:nvSpPr>
+        <p:spPr>
+          <a:xfrm>
+            <a:off x="2672685" y="2044035"/>
+            <a:ext cx="1319592" cy="2215991"/>
+          </a:xfrm>
+          <a:prstGeom prst="rect">
+            <a:avLst/>
+          </a:prstGeom>
+          <a:noFill/>
+        </p:spPr>
+        <p:txBody>
+          <a:bodyPr wrap="none" rtlCol="0">
+            <a:spAutoFit/>
+          </a:bodyPr>
+          <a:lstStyle/>
+          <a:p>
+            <a:r>
+              <a:rPr lang="en-US" sz="13800" dirty="0">
+                <a:solidFill>
+                  <a:srgbClr val="FF0000">
+                    <a:alpha val="25000"/>
+                  </a:srgbClr>
+                </a:solidFill>
+              </a:rPr>
+              <a:t>U</a:t>
+            </a:r>
+            <a:endParaRPr lang="sv-SE" sz="13800" dirty="0">
+              <a:solidFill>
+                <a:srgbClr val="FF0000">
+                  <a:alpha val="25000"/>
+                </a:srgbClr>
+              </a:solidFill>
+            </a:endParaRPr>
+          </a:p>
+        </p:txBody>
+      </p:sp>
+      <p:sp>
+        <p:nvSpPr>
+          <p:cNvPr id="17" name="textruta 16">
+            <a:extLst>
+              <a:ext uri="{FF2B5EF4-FFF2-40B4-BE49-F238E27FC236}">
+                <a16:creationId xmlns:a16="http://schemas.microsoft.com/office/drawing/2014/main" id="{65C6C496-8B23-405E-BA30-5D88D4496AF3}"/>
+              </a:ext>
+            </a:extLst>
+          </p:cNvPr>
+          <p:cNvSpPr txBox="1"/>
+          <p:nvPr/>
+        </p:nvSpPr>
+        <p:spPr>
+          <a:xfrm>
+            <a:off x="3983174" y="2044035"/>
+            <a:ext cx="1273105" cy="2215991"/>
+          </a:xfrm>
+          <a:prstGeom prst="rect">
+            <a:avLst/>
+          </a:prstGeom>
+          <a:noFill/>
+        </p:spPr>
+        <p:txBody>
+          <a:bodyPr wrap="none" rtlCol="0">
+            <a:spAutoFit/>
+          </a:bodyPr>
+          <a:lstStyle/>
+          <a:p>
+            <a:r>
+              <a:rPr lang="en-US" sz="13800" dirty="0">
+                <a:solidFill>
+                  <a:srgbClr val="FF0000">
+                    <a:alpha val="25000"/>
+                  </a:srgbClr>
+                </a:solidFill>
+              </a:rPr>
+              <a:t>D</a:t>
+            </a:r>
+            <a:endParaRPr lang="sv-SE" sz="13800" dirty="0">
+              <a:solidFill>
+                <a:srgbClr val="FF0000">
+                  <a:alpha val="25000"/>
+                </a:srgbClr>
+              </a:solidFill>
+            </a:endParaRPr>
           </a:p>
         </p:txBody>
       </p:sp>

--- a/demystify-cqrs/demystify_cqrs.pptx
+++ b/demystify-cqrs/demystify_cqrs.pptx
@@ -261,7 +261,7 @@
           <a:p>
             <a:fld id="{E83A28FE-E695-438F-8FA7-E95EAB252C4E}" type="datetimeFigureOut">
               <a:rPr lang="sv-SE" smtClean="0"/>
-              <a:t>2018-10-30</a:t>
+              <a:t>2018-11-08</a:t>
             </a:fld>
             <a:endParaRPr lang="sv-SE"/>
           </a:p>
@@ -459,7 +459,7 @@
           <a:p>
             <a:fld id="{E83A28FE-E695-438F-8FA7-E95EAB252C4E}" type="datetimeFigureOut">
               <a:rPr lang="sv-SE" smtClean="0"/>
-              <a:t>2018-10-30</a:t>
+              <a:t>2018-11-08</a:t>
             </a:fld>
             <a:endParaRPr lang="sv-SE"/>
           </a:p>
@@ -667,7 +667,7 @@
           <a:p>
             <a:fld id="{E83A28FE-E695-438F-8FA7-E95EAB252C4E}" type="datetimeFigureOut">
               <a:rPr lang="sv-SE" smtClean="0"/>
-              <a:t>2018-10-30</a:t>
+              <a:t>2018-11-08</a:t>
             </a:fld>
             <a:endParaRPr lang="sv-SE"/>
           </a:p>
@@ -865,7 +865,7 @@
           <a:p>
             <a:fld id="{E83A28FE-E695-438F-8FA7-E95EAB252C4E}" type="datetimeFigureOut">
               <a:rPr lang="sv-SE" smtClean="0"/>
-              <a:t>2018-10-30</a:t>
+              <a:t>2018-11-08</a:t>
             </a:fld>
             <a:endParaRPr lang="sv-SE"/>
           </a:p>
@@ -1140,7 +1140,7 @@
           <a:p>
             <a:fld id="{E83A28FE-E695-438F-8FA7-E95EAB252C4E}" type="datetimeFigureOut">
               <a:rPr lang="sv-SE" smtClean="0"/>
-              <a:t>2018-10-30</a:t>
+              <a:t>2018-11-08</a:t>
             </a:fld>
             <a:endParaRPr lang="sv-SE"/>
           </a:p>
@@ -1405,7 +1405,7 @@
           <a:p>
             <a:fld id="{E83A28FE-E695-438F-8FA7-E95EAB252C4E}" type="datetimeFigureOut">
               <a:rPr lang="sv-SE" smtClean="0"/>
-              <a:t>2018-10-30</a:t>
+              <a:t>2018-11-08</a:t>
             </a:fld>
             <a:endParaRPr lang="sv-SE"/>
           </a:p>
@@ -1817,7 +1817,7 @@
           <a:p>
             <a:fld id="{E83A28FE-E695-438F-8FA7-E95EAB252C4E}" type="datetimeFigureOut">
               <a:rPr lang="sv-SE" smtClean="0"/>
-              <a:t>2018-10-30</a:t>
+              <a:t>2018-11-08</a:t>
             </a:fld>
             <a:endParaRPr lang="sv-SE"/>
           </a:p>
@@ -1958,7 +1958,7 @@
           <a:p>
             <a:fld id="{E83A28FE-E695-438F-8FA7-E95EAB252C4E}" type="datetimeFigureOut">
               <a:rPr lang="sv-SE" smtClean="0"/>
-              <a:t>2018-10-30</a:t>
+              <a:t>2018-11-08</a:t>
             </a:fld>
             <a:endParaRPr lang="sv-SE"/>
           </a:p>
@@ -2071,7 +2071,7 @@
           <a:p>
             <a:fld id="{E83A28FE-E695-438F-8FA7-E95EAB252C4E}" type="datetimeFigureOut">
               <a:rPr lang="sv-SE" smtClean="0"/>
-              <a:t>2018-10-30</a:t>
+              <a:t>2018-11-08</a:t>
             </a:fld>
             <a:endParaRPr lang="sv-SE"/>
           </a:p>
@@ -2382,7 +2382,7 @@
           <a:p>
             <a:fld id="{E83A28FE-E695-438F-8FA7-E95EAB252C4E}" type="datetimeFigureOut">
               <a:rPr lang="sv-SE" smtClean="0"/>
-              <a:t>2018-10-30</a:t>
+              <a:t>2018-11-08</a:t>
             </a:fld>
             <a:endParaRPr lang="sv-SE"/>
           </a:p>
@@ -2670,7 +2670,7 @@
           <a:p>
             <a:fld id="{E83A28FE-E695-438F-8FA7-E95EAB252C4E}" type="datetimeFigureOut">
               <a:rPr lang="sv-SE" smtClean="0"/>
-              <a:t>2018-10-30</a:t>
+              <a:t>2018-11-08</a:t>
             </a:fld>
             <a:endParaRPr lang="sv-SE"/>
           </a:p>
@@ -2911,7 +2911,7 @@
           <a:p>
             <a:fld id="{E83A28FE-E695-438F-8FA7-E95EAB252C4E}" type="datetimeFigureOut">
               <a:rPr lang="sv-SE" smtClean="0"/>
-              <a:t>2018-10-30</a:t>
+              <a:t>2018-11-08</a:t>
             </a:fld>
             <a:endParaRPr lang="sv-SE"/>
           </a:p>
@@ -4779,18 +4779,10 @@
           </a:fontRef>
         </p:style>
         <p:txBody>
-          <a:bodyPr vert="vert270" rtlCol="0" anchor="ctr"/>
-          <a:lstStyle/>
-          <a:p>
-            <a:pPr algn="ctr"/>
-            <a:endParaRPr lang="en-US" dirty="0"/>
-          </a:p>
-          <a:p>
-            <a:pPr algn="ctr"/>
-            <a:endParaRPr lang="en-US" dirty="0"/>
-          </a:p>
-          <a:p>
-            <a:pPr algn="ctr"/>
+          <a:bodyPr vert="horz" lIns="432000" tIns="72000" rIns="108000" rtlCol="0" anchor="t"/>
+          <a:lstStyle/>
+          <a:p>
+            <a:pPr algn="r"/>
             <a:r>
               <a:rPr lang="en-US" dirty="0"/>
               <a:t>Aggregate root</a:t>
@@ -4861,7 +4853,9 @@
               </a:ext>
             </a:extLst>
           </p:cNvPr>
-          <p:cNvCxnSpPr/>
+          <p:cNvCxnSpPr>
+            <a:cxnSpLocks/>
+          </p:cNvCxnSpPr>
           <p:nvPr/>
         </p:nvCxnSpPr>
         <p:spPr>
@@ -4900,7 +4894,9 @@
               </a:ext>
             </a:extLst>
           </p:cNvPr>
-          <p:cNvCxnSpPr/>
+          <p:cNvCxnSpPr>
+            <a:cxnSpLocks/>
+          </p:cNvCxnSpPr>
           <p:nvPr/>
         </p:nvCxnSpPr>
         <p:spPr>
@@ -4939,7 +4935,9 @@
               </a:ext>
             </a:extLst>
           </p:cNvPr>
-          <p:cNvCxnSpPr/>
+          <p:cNvCxnSpPr>
+            <a:cxnSpLocks/>
+          </p:cNvCxnSpPr>
           <p:nvPr/>
         </p:nvCxnSpPr>
         <p:spPr>
@@ -4978,7 +4976,9 @@
               </a:ext>
             </a:extLst>
           </p:cNvPr>
-          <p:cNvCxnSpPr/>
+          <p:cNvCxnSpPr>
+            <a:cxnSpLocks/>
+          </p:cNvCxnSpPr>
           <p:nvPr/>
         </p:nvCxnSpPr>
         <p:spPr>
@@ -5017,7 +5017,9 @@
               </a:ext>
             </a:extLst>
           </p:cNvPr>
-          <p:cNvCxnSpPr/>
+          <p:cNvCxnSpPr>
+            <a:cxnSpLocks/>
+          </p:cNvCxnSpPr>
           <p:nvPr/>
         </p:nvCxnSpPr>
         <p:spPr>
@@ -5061,13 +5063,15 @@
         </p:nvSpPr>
         <p:spPr>
           <a:xfrm>
-            <a:off x="543053" y="1210271"/>
-            <a:ext cx="403828" cy="1839927"/>
+            <a:off x="676094" y="1213134"/>
+            <a:ext cx="696024" cy="1839926"/>
           </a:xfrm>
           <a:prstGeom prst="rect">
             <a:avLst/>
           </a:prstGeom>
-          <a:noFill/>
+          <a:solidFill>
+            <a:schemeClr val="bg1"/>
+          </a:solidFill>
         </p:spPr>
         <p:txBody>
           <a:bodyPr vert="wordArtVert" wrap="none" rtlCol="0">
@@ -5075,6 +5079,18 @@
           </a:bodyPr>
           <a:lstStyle/>
           <a:p>
+            <a:pPr algn="ctr"/>
+            <a:r>
+              <a:rPr lang="en-US" sz="1600" b="1" dirty="0">
+                <a:solidFill>
+                  <a:srgbClr val="0070C0"/>
+                </a:solidFill>
+              </a:rPr>
+              <a:t>WRITE</a:t>
+            </a:r>
+          </a:p>
+          <a:p>
+            <a:pPr algn="ctr"/>
             <a:r>
               <a:rPr lang="en-US" sz="1200" dirty="0"/>
               <a:t>REQUESTS</a:t>
